--- a/Texture_Flight.pptx
+++ b/Texture_Flight.pptx
@@ -105,6 +105,11 @@
       </a:defRPr>
     </a:lvl9pPr>
   </p:defaultTextStyle>
+  <p:extLst>
+    <p:ext uri="{EFAFB233-063F-42B5-8137-9DF3F51BA10A}">
+      <p15:sldGuideLst xmlns:p15="http://schemas.microsoft.com/office/powerpoint/2012/main"/>
+    </p:ext>
+  </p:extLst>
 </p:presentation>
 </file>
 
@@ -255,7 +260,7 @@
           <a:p>
             <a:fld id="{C9AC9486-19B7-4987-9B60-E627C3D3F331}" type="datetimeFigureOut">
               <a:rPr lang="zh-CN" altLang="en-US" smtClean="0"/>
-              <a:t>2022/1/31</a:t>
+              <a:t>2022/2/6</a:t>
             </a:fld>
             <a:endParaRPr lang="zh-CN" altLang="en-US"/>
           </a:p>
@@ -453,7 +458,7 @@
           <a:p>
             <a:fld id="{C9AC9486-19B7-4987-9B60-E627C3D3F331}" type="datetimeFigureOut">
               <a:rPr lang="zh-CN" altLang="en-US" smtClean="0"/>
-              <a:t>2022/1/31</a:t>
+              <a:t>2022/2/6</a:t>
             </a:fld>
             <a:endParaRPr lang="zh-CN" altLang="en-US"/>
           </a:p>
@@ -661,7 +666,7 @@
           <a:p>
             <a:fld id="{C9AC9486-19B7-4987-9B60-E627C3D3F331}" type="datetimeFigureOut">
               <a:rPr lang="zh-CN" altLang="en-US" smtClean="0"/>
-              <a:t>2022/1/31</a:t>
+              <a:t>2022/2/6</a:t>
             </a:fld>
             <a:endParaRPr lang="zh-CN" altLang="en-US"/>
           </a:p>
@@ -859,7 +864,7 @@
           <a:p>
             <a:fld id="{C9AC9486-19B7-4987-9B60-E627C3D3F331}" type="datetimeFigureOut">
               <a:rPr lang="zh-CN" altLang="en-US" smtClean="0"/>
-              <a:t>2022/1/31</a:t>
+              <a:t>2022/2/6</a:t>
             </a:fld>
             <a:endParaRPr lang="zh-CN" altLang="en-US"/>
           </a:p>
@@ -1134,7 +1139,7 @@
           <a:p>
             <a:fld id="{C9AC9486-19B7-4987-9B60-E627C3D3F331}" type="datetimeFigureOut">
               <a:rPr lang="zh-CN" altLang="en-US" smtClean="0"/>
-              <a:t>2022/1/31</a:t>
+              <a:t>2022/2/6</a:t>
             </a:fld>
             <a:endParaRPr lang="zh-CN" altLang="en-US"/>
           </a:p>
@@ -1399,7 +1404,7 @@
           <a:p>
             <a:fld id="{C9AC9486-19B7-4987-9B60-E627C3D3F331}" type="datetimeFigureOut">
               <a:rPr lang="zh-CN" altLang="en-US" smtClean="0"/>
-              <a:t>2022/1/31</a:t>
+              <a:t>2022/2/6</a:t>
             </a:fld>
             <a:endParaRPr lang="zh-CN" altLang="en-US"/>
           </a:p>
@@ -1811,7 +1816,7 @@
           <a:p>
             <a:fld id="{C9AC9486-19B7-4987-9B60-E627C3D3F331}" type="datetimeFigureOut">
               <a:rPr lang="zh-CN" altLang="en-US" smtClean="0"/>
-              <a:t>2022/1/31</a:t>
+              <a:t>2022/2/6</a:t>
             </a:fld>
             <a:endParaRPr lang="zh-CN" altLang="en-US"/>
           </a:p>
@@ -1952,7 +1957,7 @@
           <a:p>
             <a:fld id="{C9AC9486-19B7-4987-9B60-E627C3D3F331}" type="datetimeFigureOut">
               <a:rPr lang="zh-CN" altLang="en-US" smtClean="0"/>
-              <a:t>2022/1/31</a:t>
+              <a:t>2022/2/6</a:t>
             </a:fld>
             <a:endParaRPr lang="zh-CN" altLang="en-US"/>
           </a:p>
@@ -2065,7 +2070,7 @@
           <a:p>
             <a:fld id="{C9AC9486-19B7-4987-9B60-E627C3D3F331}" type="datetimeFigureOut">
               <a:rPr lang="zh-CN" altLang="en-US" smtClean="0"/>
-              <a:t>2022/1/31</a:t>
+              <a:t>2022/2/6</a:t>
             </a:fld>
             <a:endParaRPr lang="zh-CN" altLang="en-US"/>
           </a:p>
@@ -2376,7 +2381,7 @@
           <a:p>
             <a:fld id="{C9AC9486-19B7-4987-9B60-E627C3D3F331}" type="datetimeFigureOut">
               <a:rPr lang="zh-CN" altLang="en-US" smtClean="0"/>
-              <a:t>2022/1/31</a:t>
+              <a:t>2022/2/6</a:t>
             </a:fld>
             <a:endParaRPr lang="zh-CN" altLang="en-US"/>
           </a:p>
@@ -2664,7 +2669,7 @@
           <a:p>
             <a:fld id="{C9AC9486-19B7-4987-9B60-E627C3D3F331}" type="datetimeFigureOut">
               <a:rPr lang="zh-CN" altLang="en-US" smtClean="0"/>
-              <a:t>2022/1/31</a:t>
+              <a:t>2022/2/6</a:t>
             </a:fld>
             <a:endParaRPr lang="zh-CN" altLang="en-US"/>
           </a:p>
@@ -2911,7 +2916,7 @@
           <a:p>
             <a:fld id="{C9AC9486-19B7-4987-9B60-E627C3D3F331}" type="datetimeFigureOut">
               <a:rPr lang="zh-CN" altLang="en-US" smtClean="0"/>
-              <a:t>2022/1/31</a:t>
+              <a:t>2022/2/6</a:t>
             </a:fld>
             <a:endParaRPr lang="zh-CN" altLang="en-US"/>
           </a:p>
@@ -4638,119 +4643,6 @@
           </a:p>
         </p:txBody>
       </p:sp>
-      <p:grpSp>
-        <p:nvGrpSpPr>
-          <p:cNvPr id="24" name="组合 23">
-            <a:extLst>
-              <a:ext uri="{FF2B5EF4-FFF2-40B4-BE49-F238E27FC236}">
-                <a16:creationId xmlns:a16="http://schemas.microsoft.com/office/drawing/2014/main" id="{A324F8C1-92BF-4597-BA47-C50AE999A0FA}"/>
-              </a:ext>
-            </a:extLst>
-          </p:cNvPr>
-          <p:cNvGrpSpPr/>
-          <p:nvPr/>
-        </p:nvGrpSpPr>
-        <p:grpSpPr>
-          <a:xfrm>
-            <a:off x="1545996" y="2655651"/>
-            <a:ext cx="1875499" cy="1875499"/>
-            <a:chOff x="1545996" y="1866507"/>
-            <a:chExt cx="2664643" cy="2664643"/>
-          </a:xfrm>
-        </p:grpSpPr>
-        <p:sp>
-          <p:nvSpPr>
-            <p:cNvPr id="25" name="矩形 24">
-              <a:extLst>
-                <a:ext uri="{FF2B5EF4-FFF2-40B4-BE49-F238E27FC236}">
-                  <a16:creationId xmlns:a16="http://schemas.microsoft.com/office/drawing/2014/main" id="{6AE17843-3A05-4027-B3BC-738D7025A6AF}"/>
-                </a:ext>
-              </a:extLst>
-            </p:cNvPr>
-            <p:cNvSpPr/>
-            <p:nvPr/>
-          </p:nvSpPr>
-          <p:spPr>
-            <a:xfrm rot="2700000">
-              <a:off x="1545996" y="1866507"/>
-              <a:ext cx="2664643" cy="2664643"/>
-            </a:xfrm>
-            <a:prstGeom prst="rect">
-              <a:avLst/>
-            </a:prstGeom>
-            <a:solidFill>
-              <a:srgbClr val="FFFFFF">
-                <a:alpha val="20000"/>
-              </a:srgbClr>
-            </a:solidFill>
-            <a:ln w="57150">
-              <a:solidFill>
-                <a:schemeClr val="bg1"/>
-              </a:solidFill>
-            </a:ln>
-          </p:spPr>
-          <p:style>
-            <a:lnRef idx="2">
-              <a:schemeClr val="accent1">
-                <a:shade val="50000"/>
-              </a:schemeClr>
-            </a:lnRef>
-            <a:fillRef idx="1">
-              <a:schemeClr val="accent1"/>
-            </a:fillRef>
-            <a:effectRef idx="0">
-              <a:schemeClr val="accent1"/>
-            </a:effectRef>
-            <a:fontRef idx="minor">
-              <a:schemeClr val="lt1"/>
-            </a:fontRef>
-          </p:style>
-          <p:txBody>
-            <a:bodyPr rtlCol="0" anchor="ctr"/>
-            <a:lstStyle/>
-            <a:p>
-              <a:pPr algn="ctr"/>
-              <a:endParaRPr lang="zh-CN" altLang="en-US"/>
-            </a:p>
-          </p:txBody>
-        </p:sp>
-        <p:pic>
-          <p:nvPicPr>
-            <p:cNvPr id="26" name="图片 25" descr="手机屏幕截图&#10;&#10;低可信度描述已自动生成">
-              <a:extLst>
-                <a:ext uri="{FF2B5EF4-FFF2-40B4-BE49-F238E27FC236}">
-                  <a16:creationId xmlns:a16="http://schemas.microsoft.com/office/drawing/2014/main" id="{8D91EFC8-0A4C-4414-A019-BCEB82212865}"/>
-                </a:ext>
-              </a:extLst>
-            </p:cNvPr>
-            <p:cNvPicPr>
-              <a:picLocks noChangeAspect="1"/>
-            </p:cNvPicPr>
-            <p:nvPr/>
-          </p:nvPicPr>
-          <p:blipFill>
-            <a:blip r:embed="rId2">
-              <a:extLst>
-                <a:ext uri="{28A0092B-C50C-407E-A947-70E740481C1C}">
-                  <a14:useLocalDpi xmlns:a14="http://schemas.microsoft.com/office/drawing/2010/main" val="0"/>
-                </a:ext>
-              </a:extLst>
-            </a:blip>
-            <a:stretch>
-              <a:fillRect/>
-            </a:stretch>
-          </p:blipFill>
-          <p:spPr>
-            <a:xfrm>
-              <a:off x="2588379" y="2709758"/>
-              <a:ext cx="847906" cy="978140"/>
-            </a:xfrm>
-            <a:prstGeom prst="rect">
-              <a:avLst/>
-            </a:prstGeom>
-          </p:spPr>
-        </p:pic>
-      </p:grpSp>
       <p:sp>
         <p:nvSpPr>
           <p:cNvPr id="27" name="等腰三角形 26">
@@ -4907,42 +4799,12 @@
           </a:p>
         </p:txBody>
       </p:sp>
-    </p:spTree>
-    <p:extLst>
-      <p:ext uri="{BB962C8B-B14F-4D97-AF65-F5344CB8AC3E}">
-        <p14:creationId xmlns:p14="http://schemas.microsoft.com/office/powerpoint/2010/main" val="1621245980"/>
-      </p:ext>
-    </p:extLst>
-  </p:cSld>
-  <p:clrMapOvr>
-    <a:masterClrMapping/>
-  </p:clrMapOvr>
-</p:sld>
-</file>
-
-<file path=ppt/slides/slide2.xml><?xml version="1.0" encoding="utf-8"?>
-<p:sld xmlns:a="http://schemas.openxmlformats.org/drawingml/2006/main" xmlns:r="http://schemas.openxmlformats.org/officeDocument/2006/relationships" xmlns:p="http://schemas.openxmlformats.org/presentationml/2006/main">
-  <p:cSld>
-    <p:spTree>
-      <p:nvGrpSpPr>
-        <p:cNvPr id="1" name=""/>
-        <p:cNvGrpSpPr/>
-        <p:nvPr/>
-      </p:nvGrpSpPr>
-      <p:grpSpPr>
-        <a:xfrm>
-          <a:off x="0" y="0"/>
-          <a:ext cx="0" cy="0"/>
-          <a:chOff x="0" y="0"/>
-          <a:chExt cx="0" cy="0"/>
-        </a:xfrm>
-      </p:grpSpPr>
       <p:grpSp>
         <p:nvGrpSpPr>
-          <p:cNvPr id="85" name="组合 84">
-            <a:extLst>
-              <a:ext uri="{FF2B5EF4-FFF2-40B4-BE49-F238E27FC236}">
-                <a16:creationId xmlns:a16="http://schemas.microsoft.com/office/drawing/2014/main" id="{5B87FDD4-FB5C-40A9-9982-FEDC74BF2CC9}"/>
+          <p:cNvPr id="30" name="组合 29">
+            <a:extLst>
+              <a:ext uri="{FF2B5EF4-FFF2-40B4-BE49-F238E27FC236}">
+                <a16:creationId xmlns:a16="http://schemas.microsoft.com/office/drawing/2014/main" id="{88C8B12D-2012-4E94-9E85-B85D66C49DEB}"/>
               </a:ext>
             </a:extLst>
           </p:cNvPr>
@@ -4959,10 +4821,10 @@
         </p:grpSpPr>
         <p:sp>
           <p:nvSpPr>
-            <p:cNvPr id="83" name="矩形: 圆角 82">
+            <p:cNvPr id="31" name="矩形: 圆角 30">
               <a:extLst>
                 <a:ext uri="{FF2B5EF4-FFF2-40B4-BE49-F238E27FC236}">
-                  <a16:creationId xmlns:a16="http://schemas.microsoft.com/office/drawing/2014/main" id="{B3D61480-4C72-449E-A335-33F6E830DFBD}"/>
+                  <a16:creationId xmlns:a16="http://schemas.microsoft.com/office/drawing/2014/main" id="{8062AA5B-C6F8-4757-9D96-F0400487D8F0}"/>
                 </a:ext>
               </a:extLst>
             </p:cNvPr>
@@ -5013,10 +4875,10 @@
         </p:sp>
         <p:sp>
           <p:nvSpPr>
-            <p:cNvPr id="84" name="任意多边形: 形状 83">
+            <p:cNvPr id="32" name="任意多边形: 形状 31">
               <a:extLst>
                 <a:ext uri="{FF2B5EF4-FFF2-40B4-BE49-F238E27FC236}">
-                  <a16:creationId xmlns:a16="http://schemas.microsoft.com/office/drawing/2014/main" id="{88A7FB32-F72B-4600-9BEB-7E6E84698BC5}"/>
+                  <a16:creationId xmlns:a16="http://schemas.microsoft.com/office/drawing/2014/main" id="{EA5946D3-5BEF-4430-B733-7DE051972741}"/>
                 </a:ext>
               </a:extLst>
             </p:cNvPr>
@@ -5107,6 +4969,375 @@
             <a:p>
               <a:pPr algn="ctr"/>
               <a:endParaRPr lang="zh-CN" altLang="en-US" dirty="0"/>
+            </a:p>
+          </p:txBody>
+        </p:sp>
+      </p:grpSp>
+    </p:spTree>
+    <p:extLst>
+      <p:ext uri="{BB962C8B-B14F-4D97-AF65-F5344CB8AC3E}">
+        <p14:creationId xmlns:p14="http://schemas.microsoft.com/office/powerpoint/2010/main" val="1621245980"/>
+      </p:ext>
+    </p:extLst>
+  </p:cSld>
+  <p:clrMapOvr>
+    <a:masterClrMapping/>
+  </p:clrMapOvr>
+</p:sld>
+</file>
+
+<file path=ppt/slides/slide2.xml><?xml version="1.0" encoding="utf-8"?>
+<p:sld xmlns:a="http://schemas.openxmlformats.org/drawingml/2006/main" xmlns:r="http://schemas.openxmlformats.org/officeDocument/2006/relationships" xmlns:p="http://schemas.openxmlformats.org/presentationml/2006/main">
+  <p:cSld>
+    <p:spTree>
+      <p:nvGrpSpPr>
+        <p:cNvPr id="1" name=""/>
+        <p:cNvGrpSpPr/>
+        <p:nvPr/>
+      </p:nvGrpSpPr>
+      <p:grpSpPr>
+        <a:xfrm>
+          <a:off x="0" y="0"/>
+          <a:ext cx="0" cy="0"/>
+          <a:chOff x="0" y="0"/>
+          <a:chExt cx="0" cy="0"/>
+        </a:xfrm>
+      </p:grpSpPr>
+      <p:grpSp>
+        <p:nvGrpSpPr>
+          <p:cNvPr id="3" name="组合 2">
+            <a:extLst>
+              <a:ext uri="{FF2B5EF4-FFF2-40B4-BE49-F238E27FC236}">
+                <a16:creationId xmlns:a16="http://schemas.microsoft.com/office/drawing/2014/main" id="{1E2EBF77-D4AB-4E3F-A885-D10739EC394E}"/>
+              </a:ext>
+            </a:extLst>
+          </p:cNvPr>
+          <p:cNvGrpSpPr/>
+          <p:nvPr/>
+        </p:nvGrpSpPr>
+        <p:grpSpPr>
+          <a:xfrm>
+            <a:off x="1545996" y="2655651"/>
+            <a:ext cx="1875499" cy="1875499"/>
+            <a:chOff x="1545996" y="2655651"/>
+            <a:chExt cx="1875499" cy="1875499"/>
+          </a:xfrm>
+        </p:grpSpPr>
+        <p:sp>
+          <p:nvSpPr>
+            <p:cNvPr id="6" name="矩形 5">
+              <a:extLst>
+                <a:ext uri="{FF2B5EF4-FFF2-40B4-BE49-F238E27FC236}">
+                  <a16:creationId xmlns:a16="http://schemas.microsoft.com/office/drawing/2014/main" id="{EAE84CE3-99AA-4A33-B055-9AB23581745D}"/>
+                </a:ext>
+              </a:extLst>
+            </p:cNvPr>
+            <p:cNvSpPr/>
+            <p:nvPr/>
+          </p:nvSpPr>
+          <p:spPr>
+            <a:xfrm rot="2700000">
+              <a:off x="1545996" y="2655651"/>
+              <a:ext cx="1875499" cy="1875499"/>
+            </a:xfrm>
+            <a:prstGeom prst="rect">
+              <a:avLst/>
+            </a:prstGeom>
+            <a:solidFill>
+              <a:srgbClr val="FFFFFF">
+                <a:alpha val="20000"/>
+              </a:srgbClr>
+            </a:solidFill>
+            <a:ln w="57150">
+              <a:solidFill>
+                <a:schemeClr val="bg1"/>
+              </a:solidFill>
+            </a:ln>
+          </p:spPr>
+          <p:style>
+            <a:lnRef idx="2">
+              <a:schemeClr val="accent1">
+                <a:shade val="50000"/>
+              </a:schemeClr>
+            </a:lnRef>
+            <a:fillRef idx="1">
+              <a:schemeClr val="accent1"/>
+            </a:fillRef>
+            <a:effectRef idx="0">
+              <a:schemeClr val="accent1"/>
+            </a:effectRef>
+            <a:fontRef idx="minor">
+              <a:schemeClr val="lt1"/>
+            </a:fontRef>
+          </p:style>
+          <p:txBody>
+            <a:bodyPr rtlCol="0" anchor="ctr"/>
+            <a:lstStyle/>
+            <a:p>
+              <a:pPr algn="ctr"/>
+              <a:endParaRPr lang="zh-CN" altLang="en-US"/>
+            </a:p>
+          </p:txBody>
+        </p:sp>
+        <p:sp>
+          <p:nvSpPr>
+            <p:cNvPr id="17" name="任意多边形: 形状 16">
+              <a:extLst>
+                <a:ext uri="{FF2B5EF4-FFF2-40B4-BE49-F238E27FC236}">
+                  <a16:creationId xmlns:a16="http://schemas.microsoft.com/office/drawing/2014/main" id="{6491E4E7-5469-41FA-843F-F714164A47B1}"/>
+                </a:ext>
+              </a:extLst>
+            </p:cNvPr>
+            <p:cNvSpPr/>
+            <p:nvPr/>
+          </p:nvSpPr>
+          <p:spPr>
+            <a:xfrm>
+              <a:off x="2034540" y="3276600"/>
+              <a:ext cx="907177" cy="629238"/>
+            </a:xfrm>
+            <a:custGeom>
+              <a:avLst/>
+              <a:gdLst>
+                <a:gd name="connsiteX0" fmla="*/ 351934 w 1367790"/>
+                <a:gd name="connsiteY0" fmla="*/ 769620 h 948729"/>
+                <a:gd name="connsiteX1" fmla="*/ 1367790 w 1367790"/>
+                <a:gd name="connsiteY1" fmla="*/ 769620 h 948729"/>
+                <a:gd name="connsiteX2" fmla="*/ 1367790 w 1367790"/>
+                <a:gd name="connsiteY2" fmla="*/ 948729 h 948729"/>
+                <a:gd name="connsiteX3" fmla="*/ 351934 w 1367790"/>
+                <a:gd name="connsiteY3" fmla="*/ 948729 h 948729"/>
+                <a:gd name="connsiteX4" fmla="*/ 0 w 1367790"/>
+                <a:gd name="connsiteY4" fmla="*/ 769619 h 948729"/>
+                <a:gd name="connsiteX5" fmla="*/ 180000 w 1367790"/>
+                <a:gd name="connsiteY5" fmla="*/ 769619 h 948729"/>
+                <a:gd name="connsiteX6" fmla="*/ 180000 w 1367790"/>
+                <a:gd name="connsiteY6" fmla="*/ 948728 h 948729"/>
+                <a:gd name="connsiteX7" fmla="*/ 0 w 1367790"/>
+                <a:gd name="connsiteY7" fmla="*/ 948728 h 948729"/>
+                <a:gd name="connsiteX8" fmla="*/ 351934 w 1367790"/>
+                <a:gd name="connsiteY8" fmla="*/ 384809 h 948729"/>
+                <a:gd name="connsiteX9" fmla="*/ 1367790 w 1367790"/>
+                <a:gd name="connsiteY9" fmla="*/ 384809 h 948729"/>
+                <a:gd name="connsiteX10" fmla="*/ 1367790 w 1367790"/>
+                <a:gd name="connsiteY10" fmla="*/ 563918 h 948729"/>
+                <a:gd name="connsiteX11" fmla="*/ 351934 w 1367790"/>
+                <a:gd name="connsiteY11" fmla="*/ 563918 h 948729"/>
+                <a:gd name="connsiteX12" fmla="*/ 0 w 1367790"/>
+                <a:gd name="connsiteY12" fmla="*/ 384808 h 948729"/>
+                <a:gd name="connsiteX13" fmla="*/ 180000 w 1367790"/>
+                <a:gd name="connsiteY13" fmla="*/ 384808 h 948729"/>
+                <a:gd name="connsiteX14" fmla="*/ 180000 w 1367790"/>
+                <a:gd name="connsiteY14" fmla="*/ 563917 h 948729"/>
+                <a:gd name="connsiteX15" fmla="*/ 0 w 1367790"/>
+                <a:gd name="connsiteY15" fmla="*/ 563917 h 948729"/>
+                <a:gd name="connsiteX16" fmla="*/ 351934 w 1367790"/>
+                <a:gd name="connsiteY16" fmla="*/ 1 h 948729"/>
+                <a:gd name="connsiteX17" fmla="*/ 1367790 w 1367790"/>
+                <a:gd name="connsiteY17" fmla="*/ 1 h 948729"/>
+                <a:gd name="connsiteX18" fmla="*/ 1367790 w 1367790"/>
+                <a:gd name="connsiteY18" fmla="*/ 179110 h 948729"/>
+                <a:gd name="connsiteX19" fmla="*/ 351934 w 1367790"/>
+                <a:gd name="connsiteY19" fmla="*/ 179110 h 948729"/>
+                <a:gd name="connsiteX20" fmla="*/ 0 w 1367790"/>
+                <a:gd name="connsiteY20" fmla="*/ 0 h 948729"/>
+                <a:gd name="connsiteX21" fmla="*/ 180000 w 1367790"/>
+                <a:gd name="connsiteY21" fmla="*/ 0 h 948729"/>
+                <a:gd name="connsiteX22" fmla="*/ 180000 w 1367790"/>
+                <a:gd name="connsiteY22" fmla="*/ 179109 h 948729"/>
+                <a:gd name="connsiteX23" fmla="*/ 0 w 1367790"/>
+                <a:gd name="connsiteY23" fmla="*/ 179109 h 948729"/>
+              </a:gdLst>
+              <a:ahLst/>
+              <a:cxnLst>
+                <a:cxn ang="0">
+                  <a:pos x="connsiteX0" y="connsiteY0"/>
+                </a:cxn>
+                <a:cxn ang="0">
+                  <a:pos x="connsiteX1" y="connsiteY1"/>
+                </a:cxn>
+                <a:cxn ang="0">
+                  <a:pos x="connsiteX2" y="connsiteY2"/>
+                </a:cxn>
+                <a:cxn ang="0">
+                  <a:pos x="connsiteX3" y="connsiteY3"/>
+                </a:cxn>
+                <a:cxn ang="0">
+                  <a:pos x="connsiteX4" y="connsiteY4"/>
+                </a:cxn>
+                <a:cxn ang="0">
+                  <a:pos x="connsiteX5" y="connsiteY5"/>
+                </a:cxn>
+                <a:cxn ang="0">
+                  <a:pos x="connsiteX6" y="connsiteY6"/>
+                </a:cxn>
+                <a:cxn ang="0">
+                  <a:pos x="connsiteX7" y="connsiteY7"/>
+                </a:cxn>
+                <a:cxn ang="0">
+                  <a:pos x="connsiteX8" y="connsiteY8"/>
+                </a:cxn>
+                <a:cxn ang="0">
+                  <a:pos x="connsiteX9" y="connsiteY9"/>
+                </a:cxn>
+                <a:cxn ang="0">
+                  <a:pos x="connsiteX10" y="connsiteY10"/>
+                </a:cxn>
+                <a:cxn ang="0">
+                  <a:pos x="connsiteX11" y="connsiteY11"/>
+                </a:cxn>
+                <a:cxn ang="0">
+                  <a:pos x="connsiteX12" y="connsiteY12"/>
+                </a:cxn>
+                <a:cxn ang="0">
+                  <a:pos x="connsiteX13" y="connsiteY13"/>
+                </a:cxn>
+                <a:cxn ang="0">
+                  <a:pos x="connsiteX14" y="connsiteY14"/>
+                </a:cxn>
+                <a:cxn ang="0">
+                  <a:pos x="connsiteX15" y="connsiteY15"/>
+                </a:cxn>
+                <a:cxn ang="0">
+                  <a:pos x="connsiteX16" y="connsiteY16"/>
+                </a:cxn>
+                <a:cxn ang="0">
+                  <a:pos x="connsiteX17" y="connsiteY17"/>
+                </a:cxn>
+                <a:cxn ang="0">
+                  <a:pos x="connsiteX18" y="connsiteY18"/>
+                </a:cxn>
+                <a:cxn ang="0">
+                  <a:pos x="connsiteX19" y="connsiteY19"/>
+                </a:cxn>
+                <a:cxn ang="0">
+                  <a:pos x="connsiteX20" y="connsiteY20"/>
+                </a:cxn>
+                <a:cxn ang="0">
+                  <a:pos x="connsiteX21" y="connsiteY21"/>
+                </a:cxn>
+                <a:cxn ang="0">
+                  <a:pos x="connsiteX22" y="connsiteY22"/>
+                </a:cxn>
+                <a:cxn ang="0">
+                  <a:pos x="connsiteX23" y="connsiteY23"/>
+                </a:cxn>
+              </a:cxnLst>
+              <a:rect l="l" t="t" r="r" b="b"/>
+              <a:pathLst>
+                <a:path w="1367790" h="948729">
+                  <a:moveTo>
+                    <a:pt x="351934" y="769620"/>
+                  </a:moveTo>
+                  <a:lnTo>
+                    <a:pt x="1367790" y="769620"/>
+                  </a:lnTo>
+                  <a:lnTo>
+                    <a:pt x="1367790" y="948729"/>
+                  </a:lnTo>
+                  <a:lnTo>
+                    <a:pt x="351934" y="948729"/>
+                  </a:lnTo>
+                  <a:close/>
+                  <a:moveTo>
+                    <a:pt x="0" y="769619"/>
+                  </a:moveTo>
+                  <a:lnTo>
+                    <a:pt x="180000" y="769619"/>
+                  </a:lnTo>
+                  <a:lnTo>
+                    <a:pt x="180000" y="948728"/>
+                  </a:lnTo>
+                  <a:lnTo>
+                    <a:pt x="0" y="948728"/>
+                  </a:lnTo>
+                  <a:close/>
+                  <a:moveTo>
+                    <a:pt x="351934" y="384809"/>
+                  </a:moveTo>
+                  <a:lnTo>
+                    <a:pt x="1367790" y="384809"/>
+                  </a:lnTo>
+                  <a:lnTo>
+                    <a:pt x="1367790" y="563918"/>
+                  </a:lnTo>
+                  <a:lnTo>
+                    <a:pt x="351934" y="563918"/>
+                  </a:lnTo>
+                  <a:close/>
+                  <a:moveTo>
+                    <a:pt x="0" y="384808"/>
+                  </a:moveTo>
+                  <a:lnTo>
+                    <a:pt x="180000" y="384808"/>
+                  </a:lnTo>
+                  <a:lnTo>
+                    <a:pt x="180000" y="563917"/>
+                  </a:lnTo>
+                  <a:lnTo>
+                    <a:pt x="0" y="563917"/>
+                  </a:lnTo>
+                  <a:close/>
+                  <a:moveTo>
+                    <a:pt x="351934" y="1"/>
+                  </a:moveTo>
+                  <a:lnTo>
+                    <a:pt x="1367790" y="1"/>
+                  </a:lnTo>
+                  <a:lnTo>
+                    <a:pt x="1367790" y="179110"/>
+                  </a:lnTo>
+                  <a:lnTo>
+                    <a:pt x="351934" y="179110"/>
+                  </a:lnTo>
+                  <a:close/>
+                  <a:moveTo>
+                    <a:pt x="0" y="0"/>
+                  </a:moveTo>
+                  <a:lnTo>
+                    <a:pt x="180000" y="0"/>
+                  </a:lnTo>
+                  <a:lnTo>
+                    <a:pt x="180000" y="179109"/>
+                  </a:lnTo>
+                  <a:lnTo>
+                    <a:pt x="0" y="179109"/>
+                  </a:lnTo>
+                  <a:close/>
+                </a:path>
+              </a:pathLst>
+            </a:custGeom>
+            <a:solidFill>
+              <a:schemeClr val="bg1"/>
+            </a:solidFill>
+            <a:ln>
+              <a:noFill/>
+            </a:ln>
+          </p:spPr>
+          <p:style>
+            <a:lnRef idx="2">
+              <a:schemeClr val="accent1">
+                <a:shade val="50000"/>
+              </a:schemeClr>
+            </a:lnRef>
+            <a:fillRef idx="1">
+              <a:schemeClr val="accent1"/>
+            </a:fillRef>
+            <a:effectRef idx="0">
+              <a:schemeClr val="accent1"/>
+            </a:effectRef>
+            <a:fontRef idx="minor">
+              <a:schemeClr val="lt1"/>
+            </a:fontRef>
+          </p:style>
+          <p:txBody>
+            <a:bodyPr wrap="square" rtlCol="0" anchor="ctr">
+              <a:noAutofit/>
+            </a:bodyPr>
+            <a:lstStyle/>
+            <a:p>
+              <a:pPr algn="ctr"/>
+              <a:endParaRPr lang="zh-CN" altLang="en-US"/>
             </a:p>
           </p:txBody>
         </p:sp>

--- a/Texture_Flight.pptx
+++ b/Texture_Flight.pptx
@@ -7,6 +7,7 @@
   <p:sldIdLst>
     <p:sldId id="256" r:id="rId2"/>
     <p:sldId id="257" r:id="rId3"/>
+    <p:sldId id="258" r:id="rId4"/>
   </p:sldIdLst>
   <p:sldSz cx="12192000" cy="6858000"/>
   <p:notesSz cx="6858000" cy="9144000"/>
@@ -260,7 +261,7 @@
           <a:p>
             <a:fld id="{C9AC9486-19B7-4987-9B60-E627C3D3F331}" type="datetimeFigureOut">
               <a:rPr lang="zh-CN" altLang="en-US" smtClean="0"/>
-              <a:t>2022/2/6</a:t>
+              <a:t>2022/7/4</a:t>
             </a:fld>
             <a:endParaRPr lang="zh-CN" altLang="en-US"/>
           </a:p>
@@ -458,7 +459,7 @@
           <a:p>
             <a:fld id="{C9AC9486-19B7-4987-9B60-E627C3D3F331}" type="datetimeFigureOut">
               <a:rPr lang="zh-CN" altLang="en-US" smtClean="0"/>
-              <a:t>2022/2/6</a:t>
+              <a:t>2022/7/4</a:t>
             </a:fld>
             <a:endParaRPr lang="zh-CN" altLang="en-US"/>
           </a:p>
@@ -666,7 +667,7 @@
           <a:p>
             <a:fld id="{C9AC9486-19B7-4987-9B60-E627C3D3F331}" type="datetimeFigureOut">
               <a:rPr lang="zh-CN" altLang="en-US" smtClean="0"/>
-              <a:t>2022/2/6</a:t>
+              <a:t>2022/7/4</a:t>
             </a:fld>
             <a:endParaRPr lang="zh-CN" altLang="en-US"/>
           </a:p>
@@ -864,7 +865,7 @@
           <a:p>
             <a:fld id="{C9AC9486-19B7-4987-9B60-E627C3D3F331}" type="datetimeFigureOut">
               <a:rPr lang="zh-CN" altLang="en-US" smtClean="0"/>
-              <a:t>2022/2/6</a:t>
+              <a:t>2022/7/4</a:t>
             </a:fld>
             <a:endParaRPr lang="zh-CN" altLang="en-US"/>
           </a:p>
@@ -1139,7 +1140,7 @@
           <a:p>
             <a:fld id="{C9AC9486-19B7-4987-9B60-E627C3D3F331}" type="datetimeFigureOut">
               <a:rPr lang="zh-CN" altLang="en-US" smtClean="0"/>
-              <a:t>2022/2/6</a:t>
+              <a:t>2022/7/4</a:t>
             </a:fld>
             <a:endParaRPr lang="zh-CN" altLang="en-US"/>
           </a:p>
@@ -1404,7 +1405,7 @@
           <a:p>
             <a:fld id="{C9AC9486-19B7-4987-9B60-E627C3D3F331}" type="datetimeFigureOut">
               <a:rPr lang="zh-CN" altLang="en-US" smtClean="0"/>
-              <a:t>2022/2/6</a:t>
+              <a:t>2022/7/4</a:t>
             </a:fld>
             <a:endParaRPr lang="zh-CN" altLang="en-US"/>
           </a:p>
@@ -1816,7 +1817,7 @@
           <a:p>
             <a:fld id="{C9AC9486-19B7-4987-9B60-E627C3D3F331}" type="datetimeFigureOut">
               <a:rPr lang="zh-CN" altLang="en-US" smtClean="0"/>
-              <a:t>2022/2/6</a:t>
+              <a:t>2022/7/4</a:t>
             </a:fld>
             <a:endParaRPr lang="zh-CN" altLang="en-US"/>
           </a:p>
@@ -1957,7 +1958,7 @@
           <a:p>
             <a:fld id="{C9AC9486-19B7-4987-9B60-E627C3D3F331}" type="datetimeFigureOut">
               <a:rPr lang="zh-CN" altLang="en-US" smtClean="0"/>
-              <a:t>2022/2/6</a:t>
+              <a:t>2022/7/4</a:t>
             </a:fld>
             <a:endParaRPr lang="zh-CN" altLang="en-US"/>
           </a:p>
@@ -2070,7 +2071,7 @@
           <a:p>
             <a:fld id="{C9AC9486-19B7-4987-9B60-E627C3D3F331}" type="datetimeFigureOut">
               <a:rPr lang="zh-CN" altLang="en-US" smtClean="0"/>
-              <a:t>2022/2/6</a:t>
+              <a:t>2022/7/4</a:t>
             </a:fld>
             <a:endParaRPr lang="zh-CN" altLang="en-US"/>
           </a:p>
@@ -2381,7 +2382,7 @@
           <a:p>
             <a:fld id="{C9AC9486-19B7-4987-9B60-E627C3D3F331}" type="datetimeFigureOut">
               <a:rPr lang="zh-CN" altLang="en-US" smtClean="0"/>
-              <a:t>2022/2/6</a:t>
+              <a:t>2022/7/4</a:t>
             </a:fld>
             <a:endParaRPr lang="zh-CN" altLang="en-US"/>
           </a:p>
@@ -2669,7 +2670,7 @@
           <a:p>
             <a:fld id="{C9AC9486-19B7-4987-9B60-E627C3D3F331}" type="datetimeFigureOut">
               <a:rPr lang="zh-CN" altLang="en-US" smtClean="0"/>
-              <a:t>2022/2/6</a:t>
+              <a:t>2022/7/4</a:t>
             </a:fld>
             <a:endParaRPr lang="zh-CN" altLang="en-US"/>
           </a:p>
@@ -2916,7 +2917,7 @@
           <a:p>
             <a:fld id="{C9AC9486-19B7-4987-9B60-E627C3D3F331}" type="datetimeFigureOut">
               <a:rPr lang="zh-CN" altLang="en-US" smtClean="0"/>
-              <a:t>2022/2/6</a:t>
+              <a:t>2022/7/4</a:t>
             </a:fld>
             <a:endParaRPr lang="zh-CN" altLang="en-US"/>
           </a:p>
@@ -5355,6 +5356,931 @@
 </p:sld>
 </file>
 
+<file path=ppt/slides/slide3.xml><?xml version="1.0" encoding="utf-8"?>
+<p:sld xmlns:a="http://schemas.openxmlformats.org/drawingml/2006/main" xmlns:r="http://schemas.openxmlformats.org/officeDocument/2006/relationships" xmlns:p="http://schemas.openxmlformats.org/presentationml/2006/main">
+  <p:cSld>
+    <p:bg>
+      <p:bgPr>
+        <a:solidFill>
+          <a:srgbClr val="333333"/>
+        </a:solidFill>
+        <a:effectLst/>
+      </p:bgPr>
+    </p:bg>
+    <p:spTree>
+      <p:nvGrpSpPr>
+        <p:cNvPr id="1" name=""/>
+        <p:cNvGrpSpPr/>
+        <p:nvPr/>
+      </p:nvGrpSpPr>
+      <p:grpSpPr>
+        <a:xfrm>
+          <a:off x="0" y="0"/>
+          <a:ext cx="0" cy="0"/>
+          <a:chOff x="0" y="0"/>
+          <a:chExt cx="0" cy="0"/>
+        </a:xfrm>
+      </p:grpSpPr>
+      <p:grpSp>
+        <p:nvGrpSpPr>
+          <p:cNvPr id="17" name="组合 16">
+            <a:extLst>
+              <a:ext uri="{FF2B5EF4-FFF2-40B4-BE49-F238E27FC236}">
+                <a16:creationId xmlns:a16="http://schemas.microsoft.com/office/drawing/2014/main" id="{CF878F3A-04D4-9CEA-4F99-AA4FD600A889}"/>
+              </a:ext>
+            </a:extLst>
+          </p:cNvPr>
+          <p:cNvGrpSpPr/>
+          <p:nvPr/>
+        </p:nvGrpSpPr>
+        <p:grpSpPr>
+          <a:xfrm rot="18325849">
+            <a:off x="9125298" y="3559409"/>
+            <a:ext cx="1465675" cy="3807270"/>
+            <a:chOff x="8407879" y="4217874"/>
+            <a:chExt cx="1465675" cy="3807270"/>
+          </a:xfrm>
+        </p:grpSpPr>
+        <p:sp>
+          <p:nvSpPr>
+            <p:cNvPr id="16" name="矩形 15">
+              <a:extLst>
+                <a:ext uri="{FF2B5EF4-FFF2-40B4-BE49-F238E27FC236}">
+                  <a16:creationId xmlns:a16="http://schemas.microsoft.com/office/drawing/2014/main" id="{0C7746AE-4BD9-F5E1-43C9-5B85EA1DF2B0}"/>
+                </a:ext>
+              </a:extLst>
+            </p:cNvPr>
+            <p:cNvSpPr/>
+            <p:nvPr/>
+          </p:nvSpPr>
+          <p:spPr>
+            <a:xfrm>
+              <a:off x="9117857" y="5330361"/>
+              <a:ext cx="45719" cy="2694783"/>
+            </a:xfrm>
+            <a:prstGeom prst="rect">
+              <a:avLst/>
+            </a:prstGeom>
+            <a:gradFill>
+              <a:gsLst>
+                <a:gs pos="0">
+                  <a:srgbClr val="66FFCC">
+                    <a:alpha val="0"/>
+                  </a:srgbClr>
+                </a:gs>
+                <a:gs pos="100000">
+                  <a:srgbClr val="66FFCC">
+                    <a:alpha val="0"/>
+                  </a:srgbClr>
+                </a:gs>
+                <a:gs pos="60000">
+                  <a:srgbClr val="66FFCC"/>
+                </a:gs>
+              </a:gsLst>
+              <a:lin ang="5400000" scaled="1"/>
+            </a:gradFill>
+            <a:ln>
+              <a:noFill/>
+            </a:ln>
+          </p:spPr>
+          <p:style>
+            <a:lnRef idx="2">
+              <a:schemeClr val="accent1">
+                <a:shade val="50000"/>
+              </a:schemeClr>
+            </a:lnRef>
+            <a:fillRef idx="1">
+              <a:schemeClr val="accent1"/>
+            </a:fillRef>
+            <a:effectRef idx="0">
+              <a:schemeClr val="accent1"/>
+            </a:effectRef>
+            <a:fontRef idx="minor">
+              <a:schemeClr val="lt1"/>
+            </a:fontRef>
+          </p:style>
+          <p:txBody>
+            <a:bodyPr rtlCol="0" anchor="ctr"/>
+            <a:lstStyle/>
+            <a:p>
+              <a:pPr algn="ctr"/>
+              <a:endParaRPr lang="zh-CN" altLang="en-US"/>
+            </a:p>
+          </p:txBody>
+        </p:sp>
+        <p:sp>
+          <p:nvSpPr>
+            <p:cNvPr id="4" name="任意多边形: 形状 3">
+              <a:extLst>
+                <a:ext uri="{FF2B5EF4-FFF2-40B4-BE49-F238E27FC236}">
+                  <a16:creationId xmlns:a16="http://schemas.microsoft.com/office/drawing/2014/main" id="{F6DB1E4D-29EF-07AE-FF9B-448BB78F884F}"/>
+                </a:ext>
+              </a:extLst>
+            </p:cNvPr>
+            <p:cNvSpPr>
+              <a:spLocks noChangeAspect="1"/>
+            </p:cNvSpPr>
+            <p:nvPr/>
+          </p:nvSpPr>
+          <p:spPr>
+            <a:xfrm>
+              <a:off x="8407879" y="4217874"/>
+              <a:ext cx="1465675" cy="1420624"/>
+            </a:xfrm>
+            <a:custGeom>
+              <a:avLst/>
+              <a:gdLst>
+                <a:gd name="connsiteX0" fmla="*/ 2088000 w 4176000"/>
+                <a:gd name="connsiteY0" fmla="*/ 0 h 3600000"/>
+                <a:gd name="connsiteX1" fmla="*/ 4176000 w 4176000"/>
+                <a:gd name="connsiteY1" fmla="*/ 3600000 h 3600000"/>
+                <a:gd name="connsiteX2" fmla="*/ 2088000 w 4176000"/>
+                <a:gd name="connsiteY2" fmla="*/ 2592000 h 3600000"/>
+                <a:gd name="connsiteX3" fmla="*/ 0 w 4176000"/>
+                <a:gd name="connsiteY3" fmla="*/ 3600000 h 3600000"/>
+              </a:gdLst>
+              <a:ahLst/>
+              <a:cxnLst>
+                <a:cxn ang="0">
+                  <a:pos x="connsiteX0" y="connsiteY0"/>
+                </a:cxn>
+                <a:cxn ang="0">
+                  <a:pos x="connsiteX1" y="connsiteY1"/>
+                </a:cxn>
+                <a:cxn ang="0">
+                  <a:pos x="connsiteX2" y="connsiteY2"/>
+                </a:cxn>
+                <a:cxn ang="0">
+                  <a:pos x="connsiteX3" y="connsiteY3"/>
+                </a:cxn>
+              </a:cxnLst>
+              <a:rect l="l" t="t" r="r" b="b"/>
+              <a:pathLst>
+                <a:path w="4176000" h="3600000">
+                  <a:moveTo>
+                    <a:pt x="2088000" y="0"/>
+                  </a:moveTo>
+                  <a:lnTo>
+                    <a:pt x="4176000" y="3600000"/>
+                  </a:lnTo>
+                  <a:lnTo>
+                    <a:pt x="2088000" y="2592000"/>
+                  </a:lnTo>
+                  <a:lnTo>
+                    <a:pt x="0" y="3600000"/>
+                  </a:lnTo>
+                  <a:close/>
+                </a:path>
+              </a:pathLst>
+            </a:custGeom>
+            <a:solidFill>
+              <a:srgbClr val="00FF00"/>
+            </a:solidFill>
+            <a:ln w="38100">
+              <a:noFill/>
+            </a:ln>
+          </p:spPr>
+          <p:style>
+            <a:lnRef idx="2">
+              <a:schemeClr val="accent1">
+                <a:shade val="50000"/>
+              </a:schemeClr>
+            </a:lnRef>
+            <a:fillRef idx="1">
+              <a:schemeClr val="accent1"/>
+            </a:fillRef>
+            <a:effectRef idx="0">
+              <a:schemeClr val="accent1"/>
+            </a:effectRef>
+            <a:fontRef idx="minor">
+              <a:schemeClr val="lt1"/>
+            </a:fontRef>
+          </p:style>
+          <p:txBody>
+            <a:bodyPr wrap="square" rtlCol="0" anchor="ctr">
+              <a:noAutofit/>
+            </a:bodyPr>
+            <a:lstStyle/>
+            <a:p>
+              <a:pPr algn="ctr"/>
+              <a:endParaRPr lang="zh-CN" altLang="en-US" dirty="0"/>
+            </a:p>
+          </p:txBody>
+        </p:sp>
+      </p:grpSp>
+      <p:sp>
+        <p:nvSpPr>
+          <p:cNvPr id="5" name="矩形 4">
+            <a:extLst>
+              <a:ext uri="{FF2B5EF4-FFF2-40B4-BE49-F238E27FC236}">
+                <a16:creationId xmlns:a16="http://schemas.microsoft.com/office/drawing/2014/main" id="{6EFAF338-142B-C65B-4A29-285730F09738}"/>
+              </a:ext>
+            </a:extLst>
+          </p:cNvPr>
+          <p:cNvSpPr/>
+          <p:nvPr/>
+        </p:nvSpPr>
+        <p:spPr>
+          <a:xfrm rot="822978">
+            <a:off x="2547961" y="2515040"/>
+            <a:ext cx="1262656" cy="1262656"/>
+          </a:xfrm>
+          <a:prstGeom prst="rect">
+            <a:avLst/>
+          </a:prstGeom>
+          <a:solidFill>
+            <a:srgbClr val="00B0F0"/>
+          </a:solidFill>
+          <a:ln w="57150">
+            <a:noFill/>
+          </a:ln>
+        </p:spPr>
+        <p:style>
+          <a:lnRef idx="2">
+            <a:schemeClr val="accent1">
+              <a:shade val="50000"/>
+            </a:schemeClr>
+          </a:lnRef>
+          <a:fillRef idx="1">
+            <a:schemeClr val="accent1"/>
+          </a:fillRef>
+          <a:effectRef idx="0">
+            <a:schemeClr val="accent1"/>
+          </a:effectRef>
+          <a:fontRef idx="minor">
+            <a:schemeClr val="lt1"/>
+          </a:fontRef>
+        </p:style>
+        <p:txBody>
+          <a:bodyPr rtlCol="0" anchor="ctr"/>
+          <a:lstStyle/>
+          <a:p>
+            <a:pPr algn="ctr"/>
+            <a:endParaRPr lang="zh-CN" altLang="en-US"/>
+          </a:p>
+        </p:txBody>
+      </p:sp>
+      <p:sp>
+        <p:nvSpPr>
+          <p:cNvPr id="6" name="矩形 5">
+            <a:extLst>
+              <a:ext uri="{FF2B5EF4-FFF2-40B4-BE49-F238E27FC236}">
+                <a16:creationId xmlns:a16="http://schemas.microsoft.com/office/drawing/2014/main" id="{496BA2BA-F1F6-C702-82DA-789B7DCB0BC2}"/>
+              </a:ext>
+            </a:extLst>
+          </p:cNvPr>
+          <p:cNvSpPr/>
+          <p:nvPr/>
+        </p:nvSpPr>
+        <p:spPr>
+          <a:xfrm rot="19717989">
+            <a:off x="4873326" y="2400825"/>
+            <a:ext cx="617208" cy="617208"/>
+          </a:xfrm>
+          <a:prstGeom prst="rect">
+            <a:avLst/>
+          </a:prstGeom>
+          <a:solidFill>
+            <a:srgbClr val="00B0F0"/>
+          </a:solidFill>
+          <a:ln w="57150">
+            <a:noFill/>
+          </a:ln>
+        </p:spPr>
+        <p:style>
+          <a:lnRef idx="2">
+            <a:schemeClr val="accent1">
+              <a:shade val="50000"/>
+            </a:schemeClr>
+          </a:lnRef>
+          <a:fillRef idx="1">
+            <a:schemeClr val="accent1"/>
+          </a:fillRef>
+          <a:effectRef idx="0">
+            <a:schemeClr val="accent1"/>
+          </a:effectRef>
+          <a:fontRef idx="minor">
+            <a:schemeClr val="lt1"/>
+          </a:fontRef>
+        </p:style>
+        <p:txBody>
+          <a:bodyPr rtlCol="0" anchor="ctr"/>
+          <a:lstStyle/>
+          <a:p>
+            <a:pPr algn="ctr"/>
+            <a:endParaRPr lang="zh-CN" altLang="en-US"/>
+          </a:p>
+        </p:txBody>
+      </p:sp>
+      <p:sp>
+        <p:nvSpPr>
+          <p:cNvPr id="7" name="矩形 6">
+            <a:extLst>
+              <a:ext uri="{FF2B5EF4-FFF2-40B4-BE49-F238E27FC236}">
+                <a16:creationId xmlns:a16="http://schemas.microsoft.com/office/drawing/2014/main" id="{3FB2B074-B497-4D19-B593-04303C6E62EB}"/>
+              </a:ext>
+            </a:extLst>
+          </p:cNvPr>
+          <p:cNvSpPr/>
+          <p:nvPr/>
+        </p:nvSpPr>
+        <p:spPr>
+          <a:xfrm rot="2432978">
+            <a:off x="4362557" y="3449264"/>
+            <a:ext cx="300929" cy="300929"/>
+          </a:xfrm>
+          <a:prstGeom prst="rect">
+            <a:avLst/>
+          </a:prstGeom>
+          <a:solidFill>
+            <a:srgbClr val="00B0F0"/>
+          </a:solidFill>
+          <a:ln w="57150">
+            <a:noFill/>
+          </a:ln>
+        </p:spPr>
+        <p:style>
+          <a:lnRef idx="2">
+            <a:schemeClr val="accent1">
+              <a:shade val="50000"/>
+            </a:schemeClr>
+          </a:lnRef>
+          <a:fillRef idx="1">
+            <a:schemeClr val="accent1"/>
+          </a:fillRef>
+          <a:effectRef idx="0">
+            <a:schemeClr val="accent1"/>
+          </a:effectRef>
+          <a:fontRef idx="minor">
+            <a:schemeClr val="lt1"/>
+          </a:fontRef>
+        </p:style>
+        <p:txBody>
+          <a:bodyPr rtlCol="0" anchor="ctr"/>
+          <a:lstStyle/>
+          <a:p>
+            <a:pPr algn="ctr"/>
+            <a:endParaRPr lang="zh-CN" altLang="en-US"/>
+          </a:p>
+        </p:txBody>
+      </p:sp>
+      <p:sp>
+        <p:nvSpPr>
+          <p:cNvPr id="8" name="等腰三角形 7">
+            <a:extLst>
+              <a:ext uri="{FF2B5EF4-FFF2-40B4-BE49-F238E27FC236}">
+                <a16:creationId xmlns:a16="http://schemas.microsoft.com/office/drawing/2014/main" id="{0FD937A1-52E5-286E-07AA-9201DE0280F3}"/>
+              </a:ext>
+            </a:extLst>
+          </p:cNvPr>
+          <p:cNvSpPr/>
+          <p:nvPr/>
+        </p:nvSpPr>
+        <p:spPr>
+          <a:xfrm rot="1302050">
+            <a:off x="1049593" y="4477930"/>
+            <a:ext cx="1498862" cy="1292122"/>
+          </a:xfrm>
+          <a:prstGeom prst="triangle">
+            <a:avLst/>
+          </a:prstGeom>
+          <a:solidFill>
+            <a:srgbClr val="FFFF00"/>
+          </a:solidFill>
+          <a:ln w="57150">
+            <a:noFill/>
+          </a:ln>
+        </p:spPr>
+        <p:style>
+          <a:lnRef idx="2">
+            <a:schemeClr val="accent1">
+              <a:shade val="50000"/>
+            </a:schemeClr>
+          </a:lnRef>
+          <a:fillRef idx="1">
+            <a:schemeClr val="accent1"/>
+          </a:fillRef>
+          <a:effectRef idx="0">
+            <a:schemeClr val="accent1"/>
+          </a:effectRef>
+          <a:fontRef idx="minor">
+            <a:schemeClr val="lt1"/>
+          </a:fontRef>
+        </p:style>
+        <p:txBody>
+          <a:bodyPr rtlCol="0" anchor="ctr"/>
+          <a:lstStyle/>
+          <a:p>
+            <a:pPr algn="ctr"/>
+            <a:endParaRPr lang="zh-CN" altLang="en-US"/>
+          </a:p>
+        </p:txBody>
+      </p:sp>
+      <p:sp>
+        <p:nvSpPr>
+          <p:cNvPr id="9" name="等腰三角形 8">
+            <a:extLst>
+              <a:ext uri="{FF2B5EF4-FFF2-40B4-BE49-F238E27FC236}">
+                <a16:creationId xmlns:a16="http://schemas.microsoft.com/office/drawing/2014/main" id="{978417A5-38DC-D344-F97A-4C94316127BF}"/>
+              </a:ext>
+            </a:extLst>
+          </p:cNvPr>
+          <p:cNvSpPr/>
+          <p:nvPr/>
+        </p:nvSpPr>
+        <p:spPr>
+          <a:xfrm rot="17880040">
+            <a:off x="3067165" y="4560421"/>
+            <a:ext cx="716311" cy="617509"/>
+          </a:xfrm>
+          <a:prstGeom prst="triangle">
+            <a:avLst/>
+          </a:prstGeom>
+          <a:solidFill>
+            <a:srgbClr val="FFFF00"/>
+          </a:solidFill>
+          <a:ln w="57150">
+            <a:noFill/>
+          </a:ln>
+        </p:spPr>
+        <p:style>
+          <a:lnRef idx="2">
+            <a:schemeClr val="accent1">
+              <a:shade val="50000"/>
+            </a:schemeClr>
+          </a:lnRef>
+          <a:fillRef idx="1">
+            <a:schemeClr val="accent1"/>
+          </a:fillRef>
+          <a:effectRef idx="0">
+            <a:schemeClr val="accent1"/>
+          </a:effectRef>
+          <a:fontRef idx="minor">
+            <a:schemeClr val="lt1"/>
+          </a:fontRef>
+        </p:style>
+        <p:txBody>
+          <a:bodyPr rtlCol="0" anchor="ctr"/>
+          <a:lstStyle/>
+          <a:p>
+            <a:pPr algn="ctr"/>
+            <a:endParaRPr lang="zh-CN" altLang="en-US"/>
+          </a:p>
+        </p:txBody>
+      </p:sp>
+      <p:sp>
+        <p:nvSpPr>
+          <p:cNvPr id="10" name="五边形 9">
+            <a:extLst>
+              <a:ext uri="{FF2B5EF4-FFF2-40B4-BE49-F238E27FC236}">
+                <a16:creationId xmlns:a16="http://schemas.microsoft.com/office/drawing/2014/main" id="{908C97BE-8AC7-4EA6-AC82-43EA2C31CCA2}"/>
+              </a:ext>
+            </a:extLst>
+          </p:cNvPr>
+          <p:cNvSpPr/>
+          <p:nvPr/>
+        </p:nvSpPr>
+        <p:spPr>
+          <a:xfrm rot="20753140">
+            <a:off x="7909560" y="458383"/>
+            <a:ext cx="1356718" cy="1292113"/>
+          </a:xfrm>
+          <a:prstGeom prst="pentagon">
+            <a:avLst/>
+          </a:prstGeom>
+          <a:solidFill>
+            <a:srgbClr val="FF00C9"/>
+          </a:solidFill>
+          <a:ln>
+            <a:noFill/>
+          </a:ln>
+        </p:spPr>
+        <p:style>
+          <a:lnRef idx="2">
+            <a:schemeClr val="accent1">
+              <a:shade val="50000"/>
+            </a:schemeClr>
+          </a:lnRef>
+          <a:fillRef idx="1">
+            <a:schemeClr val="accent1"/>
+          </a:fillRef>
+          <a:effectRef idx="0">
+            <a:schemeClr val="accent1"/>
+          </a:effectRef>
+          <a:fontRef idx="minor">
+            <a:schemeClr val="lt1"/>
+          </a:fontRef>
+        </p:style>
+        <p:txBody>
+          <a:bodyPr rtlCol="0" anchor="ctr"/>
+          <a:lstStyle/>
+          <a:p>
+            <a:pPr algn="ctr"/>
+            <a:endParaRPr lang="zh-CN" altLang="en-US"/>
+          </a:p>
+        </p:txBody>
+      </p:sp>
+      <p:sp>
+        <p:nvSpPr>
+          <p:cNvPr id="11" name="矩形 10">
+            <a:extLst>
+              <a:ext uri="{FF2B5EF4-FFF2-40B4-BE49-F238E27FC236}">
+                <a16:creationId xmlns:a16="http://schemas.microsoft.com/office/drawing/2014/main" id="{69B4A0C2-8330-F44D-E73B-B7E488349ED1}"/>
+              </a:ext>
+            </a:extLst>
+          </p:cNvPr>
+          <p:cNvSpPr/>
+          <p:nvPr/>
+        </p:nvSpPr>
+        <p:spPr>
+          <a:xfrm>
+            <a:off x="8840077" y="2148485"/>
+            <a:ext cx="45719" cy="1317600"/>
+          </a:xfrm>
+          <a:prstGeom prst="rect">
+            <a:avLst/>
+          </a:prstGeom>
+          <a:gradFill>
+            <a:gsLst>
+              <a:gs pos="35000">
+                <a:srgbClr val="FF00C9">
+                  <a:alpha val="0"/>
+                </a:srgbClr>
+              </a:gs>
+              <a:gs pos="100000">
+                <a:srgbClr val="FF00C9"/>
+              </a:gs>
+            </a:gsLst>
+            <a:lin ang="5400000" scaled="1"/>
+          </a:gradFill>
+          <a:ln>
+            <a:noFill/>
+          </a:ln>
+        </p:spPr>
+        <p:style>
+          <a:lnRef idx="2">
+            <a:schemeClr val="accent1">
+              <a:shade val="50000"/>
+            </a:schemeClr>
+          </a:lnRef>
+          <a:fillRef idx="1">
+            <a:schemeClr val="accent1"/>
+          </a:fillRef>
+          <a:effectRef idx="0">
+            <a:schemeClr val="accent1"/>
+          </a:effectRef>
+          <a:fontRef idx="minor">
+            <a:schemeClr val="lt1"/>
+          </a:fontRef>
+        </p:style>
+        <p:txBody>
+          <a:bodyPr rtlCol="0" anchor="ctr"/>
+          <a:lstStyle/>
+          <a:p>
+            <a:pPr algn="ctr"/>
+            <a:endParaRPr lang="zh-CN" altLang="en-US"/>
+          </a:p>
+        </p:txBody>
+      </p:sp>
+      <p:sp>
+        <p:nvSpPr>
+          <p:cNvPr id="13" name="等腰三角形 12">
+            <a:extLst>
+              <a:ext uri="{FF2B5EF4-FFF2-40B4-BE49-F238E27FC236}">
+                <a16:creationId xmlns:a16="http://schemas.microsoft.com/office/drawing/2014/main" id="{2C865EB5-EAD4-4AEF-2B41-3BED79A190F2}"/>
+              </a:ext>
+            </a:extLst>
+          </p:cNvPr>
+          <p:cNvSpPr/>
+          <p:nvPr/>
+        </p:nvSpPr>
+        <p:spPr>
+          <a:xfrm rot="1491415">
+            <a:off x="4677753" y="4753453"/>
+            <a:ext cx="411914" cy="355098"/>
+          </a:xfrm>
+          <a:prstGeom prst="triangle">
+            <a:avLst/>
+          </a:prstGeom>
+          <a:solidFill>
+            <a:srgbClr val="FFFF00"/>
+          </a:solidFill>
+          <a:ln w="57150">
+            <a:noFill/>
+          </a:ln>
+        </p:spPr>
+        <p:style>
+          <a:lnRef idx="2">
+            <a:schemeClr val="accent1">
+              <a:shade val="50000"/>
+            </a:schemeClr>
+          </a:lnRef>
+          <a:fillRef idx="1">
+            <a:schemeClr val="accent1"/>
+          </a:fillRef>
+          <a:effectRef idx="0">
+            <a:schemeClr val="accent1"/>
+          </a:effectRef>
+          <a:fontRef idx="minor">
+            <a:schemeClr val="lt1"/>
+          </a:fontRef>
+        </p:style>
+        <p:txBody>
+          <a:bodyPr rtlCol="0" anchor="ctr"/>
+          <a:lstStyle/>
+          <a:p>
+            <a:pPr algn="ctr"/>
+            <a:endParaRPr lang="zh-CN" altLang="en-US"/>
+          </a:p>
+        </p:txBody>
+      </p:sp>
+      <p:grpSp>
+        <p:nvGrpSpPr>
+          <p:cNvPr id="2" name="组合 1">
+            <a:extLst>
+              <a:ext uri="{FF2B5EF4-FFF2-40B4-BE49-F238E27FC236}">
+                <a16:creationId xmlns:a16="http://schemas.microsoft.com/office/drawing/2014/main" id="{3329DE4A-8319-C779-5009-2AD20B55FA3A}"/>
+              </a:ext>
+            </a:extLst>
+          </p:cNvPr>
+          <p:cNvGrpSpPr/>
+          <p:nvPr/>
+        </p:nvGrpSpPr>
+        <p:grpSpPr>
+          <a:xfrm>
+            <a:off x="5722921" y="3867746"/>
+            <a:ext cx="2007229" cy="2007229"/>
+            <a:chOff x="4924409" y="1867280"/>
+            <a:chExt cx="2500135" cy="2500135"/>
+          </a:xfrm>
+        </p:grpSpPr>
+        <p:sp>
+          <p:nvSpPr>
+            <p:cNvPr id="12" name="六边形 11">
+              <a:extLst>
+                <a:ext uri="{FF2B5EF4-FFF2-40B4-BE49-F238E27FC236}">
+                  <a16:creationId xmlns:a16="http://schemas.microsoft.com/office/drawing/2014/main" id="{5F0BFF1D-B851-4417-3C9B-E149FB487A5F}"/>
+                </a:ext>
+              </a:extLst>
+            </p:cNvPr>
+            <p:cNvSpPr/>
+            <p:nvPr/>
+          </p:nvSpPr>
+          <p:spPr>
+            <a:xfrm rot="21049669">
+              <a:off x="5269399" y="2337108"/>
+              <a:ext cx="1810155" cy="1560479"/>
+            </a:xfrm>
+            <a:prstGeom prst="hexagon">
+              <a:avLst/>
+            </a:prstGeom>
+            <a:solidFill>
+              <a:srgbClr val="8D00FF"/>
+            </a:solidFill>
+            <a:ln w="57150">
+              <a:noFill/>
+            </a:ln>
+          </p:spPr>
+          <p:style>
+            <a:lnRef idx="2">
+              <a:schemeClr val="accent1">
+                <a:shade val="50000"/>
+              </a:schemeClr>
+            </a:lnRef>
+            <a:fillRef idx="1">
+              <a:schemeClr val="accent1"/>
+            </a:fillRef>
+            <a:effectRef idx="0">
+              <a:schemeClr val="accent1"/>
+            </a:effectRef>
+            <a:fontRef idx="minor">
+              <a:schemeClr val="lt1"/>
+            </a:fontRef>
+          </p:style>
+          <p:txBody>
+            <a:bodyPr rtlCol="0" anchor="ctr"/>
+            <a:lstStyle/>
+            <a:p>
+              <a:pPr algn="ctr"/>
+              <a:endParaRPr lang="zh-CN" altLang="en-US"/>
+            </a:p>
+          </p:txBody>
+        </p:sp>
+        <p:sp>
+          <p:nvSpPr>
+            <p:cNvPr id="14" name="椭圆 13">
+              <a:extLst>
+                <a:ext uri="{FF2B5EF4-FFF2-40B4-BE49-F238E27FC236}">
+                  <a16:creationId xmlns:a16="http://schemas.microsoft.com/office/drawing/2014/main" id="{F023663C-CFD7-82E8-D1CB-147EB40EC59E}"/>
+                </a:ext>
+              </a:extLst>
+            </p:cNvPr>
+            <p:cNvSpPr/>
+            <p:nvPr/>
+          </p:nvSpPr>
+          <p:spPr>
+            <a:xfrm>
+              <a:off x="4924409" y="1867280"/>
+              <a:ext cx="2500135" cy="2500135"/>
+            </a:xfrm>
+            <a:prstGeom prst="ellipse">
+              <a:avLst/>
+            </a:prstGeom>
+            <a:noFill/>
+            <a:ln w="57150">
+              <a:solidFill>
+                <a:srgbClr val="8D00FF"/>
+              </a:solidFill>
+            </a:ln>
+          </p:spPr>
+          <p:style>
+            <a:lnRef idx="2">
+              <a:schemeClr val="accent1">
+                <a:shade val="50000"/>
+              </a:schemeClr>
+            </a:lnRef>
+            <a:fillRef idx="1">
+              <a:schemeClr val="accent1"/>
+            </a:fillRef>
+            <a:effectRef idx="0">
+              <a:schemeClr val="accent1"/>
+            </a:effectRef>
+            <a:fontRef idx="minor">
+              <a:schemeClr val="lt1"/>
+            </a:fontRef>
+          </p:style>
+          <p:txBody>
+            <a:bodyPr rtlCol="0" anchor="ctr"/>
+            <a:lstStyle/>
+            <a:p>
+              <a:pPr algn="ctr"/>
+              <a:endParaRPr lang="zh-CN" altLang="en-US"/>
+            </a:p>
+          </p:txBody>
+        </p:sp>
+      </p:grpSp>
+      <p:sp>
+        <p:nvSpPr>
+          <p:cNvPr id="15" name="五边形 14">
+            <a:extLst>
+              <a:ext uri="{FF2B5EF4-FFF2-40B4-BE49-F238E27FC236}">
+                <a16:creationId xmlns:a16="http://schemas.microsoft.com/office/drawing/2014/main" id="{DB843A2F-FA18-9E90-9FB0-DDB24D3C4DD5}"/>
+              </a:ext>
+            </a:extLst>
+          </p:cNvPr>
+          <p:cNvSpPr/>
+          <p:nvPr/>
+        </p:nvSpPr>
+        <p:spPr>
+          <a:xfrm rot="1410357">
+            <a:off x="9680332" y="1428100"/>
+            <a:ext cx="983461" cy="936630"/>
+          </a:xfrm>
+          <a:prstGeom prst="pentagon">
+            <a:avLst/>
+          </a:prstGeom>
+          <a:solidFill>
+            <a:srgbClr val="FF00C9"/>
+          </a:solidFill>
+          <a:ln>
+            <a:noFill/>
+          </a:ln>
+        </p:spPr>
+        <p:style>
+          <a:lnRef idx="2">
+            <a:schemeClr val="accent1">
+              <a:shade val="50000"/>
+            </a:schemeClr>
+          </a:lnRef>
+          <a:fillRef idx="1">
+            <a:schemeClr val="accent1"/>
+          </a:fillRef>
+          <a:effectRef idx="0">
+            <a:schemeClr val="accent1"/>
+          </a:effectRef>
+          <a:fontRef idx="minor">
+            <a:schemeClr val="lt1"/>
+          </a:fontRef>
+        </p:style>
+        <p:txBody>
+          <a:bodyPr rtlCol="0" anchor="ctr"/>
+          <a:lstStyle/>
+          <a:p>
+            <a:pPr algn="ctr"/>
+            <a:endParaRPr lang="zh-CN" altLang="en-US"/>
+          </a:p>
+        </p:txBody>
+      </p:sp>
+      <p:sp>
+        <p:nvSpPr>
+          <p:cNvPr id="3" name="文本框 2">
+            <a:extLst>
+              <a:ext uri="{FF2B5EF4-FFF2-40B4-BE49-F238E27FC236}">
+                <a16:creationId xmlns:a16="http://schemas.microsoft.com/office/drawing/2014/main" id="{AC9C0330-C83E-4516-5707-2EA407C8F9D5}"/>
+              </a:ext>
+            </a:extLst>
+          </p:cNvPr>
+          <p:cNvSpPr txBox="1"/>
+          <p:nvPr/>
+        </p:nvSpPr>
+        <p:spPr>
+          <a:xfrm>
+            <a:off x="599578" y="523841"/>
+            <a:ext cx="4769963" cy="1538883"/>
+          </a:xfrm>
+          <a:prstGeom prst="rect">
+            <a:avLst/>
+          </a:prstGeom>
+          <a:noFill/>
+        </p:spPr>
+        <p:txBody>
+          <a:bodyPr wrap="square" rtlCol="0">
+            <a:spAutoFit/>
+          </a:bodyPr>
+          <a:lstStyle/>
+          <a:p>
+            <a:pPr algn="ctr"/>
+            <a:r>
+              <a:rPr lang="zh-CN" altLang="en-US" sz="5400" dirty="0">
+                <a:solidFill>
+                  <a:schemeClr val="bg1"/>
+                </a:solidFill>
+                <a:latin typeface="Noto Sans CJK SC Regular" panose="020B0500000000000000" pitchFamily="34" charset="-122"/>
+                <a:ea typeface="Noto Sans CJK SC Regular" panose="020B0500000000000000" pitchFamily="34" charset="-122"/>
+              </a:rPr>
+              <a:t>几  何  碰  撞</a:t>
+            </a:r>
+            <a:endParaRPr lang="en-US" altLang="zh-CN" sz="5400" dirty="0">
+              <a:solidFill>
+                <a:schemeClr val="bg1"/>
+              </a:solidFill>
+              <a:latin typeface="Noto Sans CJK SC Regular" panose="020B0500000000000000" pitchFamily="34" charset="-122"/>
+              <a:ea typeface="Noto Sans CJK SC Regular" panose="020B0500000000000000" pitchFamily="34" charset="-122"/>
+            </a:endParaRPr>
+          </a:p>
+          <a:p>
+            <a:pPr algn="ctr"/>
+            <a:r>
+              <a:rPr lang="en-US" altLang="zh-CN" sz="4000" dirty="0">
+                <a:solidFill>
+                  <a:schemeClr val="bg1"/>
+                </a:solidFill>
+                <a:latin typeface="OCR A Extended" panose="02010509020102010303" pitchFamily="50" charset="0"/>
+              </a:rPr>
+              <a:t>PolyCollision</a:t>
+            </a:r>
+            <a:endParaRPr lang="zh-CN" altLang="en-US" sz="4000" dirty="0">
+              <a:solidFill>
+                <a:schemeClr val="bg1"/>
+              </a:solidFill>
+              <a:latin typeface="OCR A Extended" panose="02010509020102010303" pitchFamily="50" charset="0"/>
+            </a:endParaRPr>
+          </a:p>
+        </p:txBody>
+      </p:sp>
+      <p:pic>
+        <p:nvPicPr>
+          <p:cNvPr id="20" name="图片 19">
+            <a:extLst>
+              <a:ext uri="{FF2B5EF4-FFF2-40B4-BE49-F238E27FC236}">
+                <a16:creationId xmlns:a16="http://schemas.microsoft.com/office/drawing/2014/main" id="{3E568746-18D3-B309-53B7-B0675EEC3F60}"/>
+              </a:ext>
+            </a:extLst>
+          </p:cNvPr>
+          <p:cNvPicPr>
+            <a:picLocks noChangeAspect="1"/>
+          </p:cNvPicPr>
+          <p:nvPr/>
+        </p:nvPicPr>
+        <p:blipFill>
+          <a:blip r:embed="rId2"/>
+          <a:stretch>
+            <a:fillRect/>
+          </a:stretch>
+        </p:blipFill>
+        <p:spPr>
+          <a:xfrm>
+            <a:off x="0" y="0"/>
+            <a:ext cx="12192000" cy="6858000"/>
+          </a:xfrm>
+          <a:prstGeom prst="rect">
+            <a:avLst/>
+          </a:prstGeom>
+        </p:spPr>
+      </p:pic>
+    </p:spTree>
+    <p:extLst>
+      <p:ext uri="{BB962C8B-B14F-4D97-AF65-F5344CB8AC3E}">
+        <p14:creationId xmlns:p14="http://schemas.microsoft.com/office/powerpoint/2010/main" val="3823479039"/>
+      </p:ext>
+    </p:extLst>
+  </p:cSld>
+  <p:clrMapOvr>
+    <a:masterClrMapping/>
+  </p:clrMapOvr>
+</p:sld>
+</file>
+
 <file path=ppt/theme/theme1.xml><?xml version="1.0" encoding="utf-8"?>
 <a:theme xmlns:a="http://schemas.openxmlformats.org/drawingml/2006/main" name="Office 主题​​">
   <a:themeElements>

--- a/Texture_Flight.pptx
+++ b/Texture_Flight.pptx
@@ -261,7 +261,7 @@
           <a:p>
             <a:fld id="{C9AC9486-19B7-4987-9B60-E627C3D3F331}" type="datetimeFigureOut">
               <a:rPr lang="zh-CN" altLang="en-US" smtClean="0"/>
-              <a:t>2022/7/4</a:t>
+              <a:t>2022/7/11</a:t>
             </a:fld>
             <a:endParaRPr lang="zh-CN" altLang="en-US"/>
           </a:p>
@@ -459,7 +459,7 @@
           <a:p>
             <a:fld id="{C9AC9486-19B7-4987-9B60-E627C3D3F331}" type="datetimeFigureOut">
               <a:rPr lang="zh-CN" altLang="en-US" smtClean="0"/>
-              <a:t>2022/7/4</a:t>
+              <a:t>2022/7/11</a:t>
             </a:fld>
             <a:endParaRPr lang="zh-CN" altLang="en-US"/>
           </a:p>
@@ -667,7 +667,7 @@
           <a:p>
             <a:fld id="{C9AC9486-19B7-4987-9B60-E627C3D3F331}" type="datetimeFigureOut">
               <a:rPr lang="zh-CN" altLang="en-US" smtClean="0"/>
-              <a:t>2022/7/4</a:t>
+              <a:t>2022/7/11</a:t>
             </a:fld>
             <a:endParaRPr lang="zh-CN" altLang="en-US"/>
           </a:p>
@@ -865,7 +865,7 @@
           <a:p>
             <a:fld id="{C9AC9486-19B7-4987-9B60-E627C3D3F331}" type="datetimeFigureOut">
               <a:rPr lang="zh-CN" altLang="en-US" smtClean="0"/>
-              <a:t>2022/7/4</a:t>
+              <a:t>2022/7/11</a:t>
             </a:fld>
             <a:endParaRPr lang="zh-CN" altLang="en-US"/>
           </a:p>
@@ -1140,7 +1140,7 @@
           <a:p>
             <a:fld id="{C9AC9486-19B7-4987-9B60-E627C3D3F331}" type="datetimeFigureOut">
               <a:rPr lang="zh-CN" altLang="en-US" smtClean="0"/>
-              <a:t>2022/7/4</a:t>
+              <a:t>2022/7/11</a:t>
             </a:fld>
             <a:endParaRPr lang="zh-CN" altLang="en-US"/>
           </a:p>
@@ -1405,7 +1405,7 @@
           <a:p>
             <a:fld id="{C9AC9486-19B7-4987-9B60-E627C3D3F331}" type="datetimeFigureOut">
               <a:rPr lang="zh-CN" altLang="en-US" smtClean="0"/>
-              <a:t>2022/7/4</a:t>
+              <a:t>2022/7/11</a:t>
             </a:fld>
             <a:endParaRPr lang="zh-CN" altLang="en-US"/>
           </a:p>
@@ -1817,7 +1817,7 @@
           <a:p>
             <a:fld id="{C9AC9486-19B7-4987-9B60-E627C3D3F331}" type="datetimeFigureOut">
               <a:rPr lang="zh-CN" altLang="en-US" smtClean="0"/>
-              <a:t>2022/7/4</a:t>
+              <a:t>2022/7/11</a:t>
             </a:fld>
             <a:endParaRPr lang="zh-CN" altLang="en-US"/>
           </a:p>
@@ -1958,7 +1958,7 @@
           <a:p>
             <a:fld id="{C9AC9486-19B7-4987-9B60-E627C3D3F331}" type="datetimeFigureOut">
               <a:rPr lang="zh-CN" altLang="en-US" smtClean="0"/>
-              <a:t>2022/7/4</a:t>
+              <a:t>2022/7/11</a:t>
             </a:fld>
             <a:endParaRPr lang="zh-CN" altLang="en-US"/>
           </a:p>
@@ -2071,7 +2071,7 @@
           <a:p>
             <a:fld id="{C9AC9486-19B7-4987-9B60-E627C3D3F331}" type="datetimeFigureOut">
               <a:rPr lang="zh-CN" altLang="en-US" smtClean="0"/>
-              <a:t>2022/7/4</a:t>
+              <a:t>2022/7/11</a:t>
             </a:fld>
             <a:endParaRPr lang="zh-CN" altLang="en-US"/>
           </a:p>
@@ -2382,7 +2382,7 @@
           <a:p>
             <a:fld id="{C9AC9486-19B7-4987-9B60-E627C3D3F331}" type="datetimeFigureOut">
               <a:rPr lang="zh-CN" altLang="en-US" smtClean="0"/>
-              <a:t>2022/7/4</a:t>
+              <a:t>2022/7/11</a:t>
             </a:fld>
             <a:endParaRPr lang="zh-CN" altLang="en-US"/>
           </a:p>
@@ -2670,7 +2670,7 @@
           <a:p>
             <a:fld id="{C9AC9486-19B7-4987-9B60-E627C3D3F331}" type="datetimeFigureOut">
               <a:rPr lang="zh-CN" altLang="en-US" smtClean="0"/>
-              <a:t>2022/7/4</a:t>
+              <a:t>2022/7/11</a:t>
             </a:fld>
             <a:endParaRPr lang="zh-CN" altLang="en-US"/>
           </a:p>
@@ -2917,7 +2917,7 @@
           <a:p>
             <a:fld id="{C9AC9486-19B7-4987-9B60-E627C3D3F331}" type="datetimeFigureOut">
               <a:rPr lang="zh-CN" altLang="en-US" smtClean="0"/>
-              <a:t>2022/7/4</a:t>
+              <a:t>2022/7/11</a:t>
             </a:fld>
             <a:endParaRPr lang="zh-CN" altLang="en-US"/>
           </a:p>
@@ -4974,6 +4974,322 @@
           </p:txBody>
         </p:sp>
       </p:grpSp>
+      <p:sp>
+        <p:nvSpPr>
+          <p:cNvPr id="2" name="任意多边形: 形状 1">
+            <a:extLst>
+              <a:ext uri="{FF2B5EF4-FFF2-40B4-BE49-F238E27FC236}">
+                <a16:creationId xmlns:a16="http://schemas.microsoft.com/office/drawing/2014/main" id="{5DBC3717-9F48-0343-9AAA-71E6719F69A9}"/>
+              </a:ext>
+            </a:extLst>
+          </p:cNvPr>
+          <p:cNvSpPr/>
+          <p:nvPr/>
+        </p:nvSpPr>
+        <p:spPr>
+          <a:xfrm>
+            <a:off x="2017287" y="3282351"/>
+            <a:ext cx="907177" cy="629238"/>
+          </a:xfrm>
+          <a:custGeom>
+            <a:avLst/>
+            <a:gdLst>
+              <a:gd name="connsiteX0" fmla="*/ 351934 w 1367790"/>
+              <a:gd name="connsiteY0" fmla="*/ 769620 h 948729"/>
+              <a:gd name="connsiteX1" fmla="*/ 1367790 w 1367790"/>
+              <a:gd name="connsiteY1" fmla="*/ 769620 h 948729"/>
+              <a:gd name="connsiteX2" fmla="*/ 1367790 w 1367790"/>
+              <a:gd name="connsiteY2" fmla="*/ 948729 h 948729"/>
+              <a:gd name="connsiteX3" fmla="*/ 351934 w 1367790"/>
+              <a:gd name="connsiteY3" fmla="*/ 948729 h 948729"/>
+              <a:gd name="connsiteX4" fmla="*/ 0 w 1367790"/>
+              <a:gd name="connsiteY4" fmla="*/ 769619 h 948729"/>
+              <a:gd name="connsiteX5" fmla="*/ 180000 w 1367790"/>
+              <a:gd name="connsiteY5" fmla="*/ 769619 h 948729"/>
+              <a:gd name="connsiteX6" fmla="*/ 180000 w 1367790"/>
+              <a:gd name="connsiteY6" fmla="*/ 948728 h 948729"/>
+              <a:gd name="connsiteX7" fmla="*/ 0 w 1367790"/>
+              <a:gd name="connsiteY7" fmla="*/ 948728 h 948729"/>
+              <a:gd name="connsiteX8" fmla="*/ 351934 w 1367790"/>
+              <a:gd name="connsiteY8" fmla="*/ 384809 h 948729"/>
+              <a:gd name="connsiteX9" fmla="*/ 1367790 w 1367790"/>
+              <a:gd name="connsiteY9" fmla="*/ 384809 h 948729"/>
+              <a:gd name="connsiteX10" fmla="*/ 1367790 w 1367790"/>
+              <a:gd name="connsiteY10" fmla="*/ 563918 h 948729"/>
+              <a:gd name="connsiteX11" fmla="*/ 351934 w 1367790"/>
+              <a:gd name="connsiteY11" fmla="*/ 563918 h 948729"/>
+              <a:gd name="connsiteX12" fmla="*/ 0 w 1367790"/>
+              <a:gd name="connsiteY12" fmla="*/ 384808 h 948729"/>
+              <a:gd name="connsiteX13" fmla="*/ 180000 w 1367790"/>
+              <a:gd name="connsiteY13" fmla="*/ 384808 h 948729"/>
+              <a:gd name="connsiteX14" fmla="*/ 180000 w 1367790"/>
+              <a:gd name="connsiteY14" fmla="*/ 563917 h 948729"/>
+              <a:gd name="connsiteX15" fmla="*/ 0 w 1367790"/>
+              <a:gd name="connsiteY15" fmla="*/ 563917 h 948729"/>
+              <a:gd name="connsiteX16" fmla="*/ 351934 w 1367790"/>
+              <a:gd name="connsiteY16" fmla="*/ 1 h 948729"/>
+              <a:gd name="connsiteX17" fmla="*/ 1367790 w 1367790"/>
+              <a:gd name="connsiteY17" fmla="*/ 1 h 948729"/>
+              <a:gd name="connsiteX18" fmla="*/ 1367790 w 1367790"/>
+              <a:gd name="connsiteY18" fmla="*/ 179110 h 948729"/>
+              <a:gd name="connsiteX19" fmla="*/ 351934 w 1367790"/>
+              <a:gd name="connsiteY19" fmla="*/ 179110 h 948729"/>
+              <a:gd name="connsiteX20" fmla="*/ 0 w 1367790"/>
+              <a:gd name="connsiteY20" fmla="*/ 0 h 948729"/>
+              <a:gd name="connsiteX21" fmla="*/ 180000 w 1367790"/>
+              <a:gd name="connsiteY21" fmla="*/ 0 h 948729"/>
+              <a:gd name="connsiteX22" fmla="*/ 180000 w 1367790"/>
+              <a:gd name="connsiteY22" fmla="*/ 179109 h 948729"/>
+              <a:gd name="connsiteX23" fmla="*/ 0 w 1367790"/>
+              <a:gd name="connsiteY23" fmla="*/ 179109 h 948729"/>
+            </a:gdLst>
+            <a:ahLst/>
+            <a:cxnLst>
+              <a:cxn ang="0">
+                <a:pos x="connsiteX0" y="connsiteY0"/>
+              </a:cxn>
+              <a:cxn ang="0">
+                <a:pos x="connsiteX1" y="connsiteY1"/>
+              </a:cxn>
+              <a:cxn ang="0">
+                <a:pos x="connsiteX2" y="connsiteY2"/>
+              </a:cxn>
+              <a:cxn ang="0">
+                <a:pos x="connsiteX3" y="connsiteY3"/>
+              </a:cxn>
+              <a:cxn ang="0">
+                <a:pos x="connsiteX4" y="connsiteY4"/>
+              </a:cxn>
+              <a:cxn ang="0">
+                <a:pos x="connsiteX5" y="connsiteY5"/>
+              </a:cxn>
+              <a:cxn ang="0">
+                <a:pos x="connsiteX6" y="connsiteY6"/>
+              </a:cxn>
+              <a:cxn ang="0">
+                <a:pos x="connsiteX7" y="connsiteY7"/>
+              </a:cxn>
+              <a:cxn ang="0">
+                <a:pos x="connsiteX8" y="connsiteY8"/>
+              </a:cxn>
+              <a:cxn ang="0">
+                <a:pos x="connsiteX9" y="connsiteY9"/>
+              </a:cxn>
+              <a:cxn ang="0">
+                <a:pos x="connsiteX10" y="connsiteY10"/>
+              </a:cxn>
+              <a:cxn ang="0">
+                <a:pos x="connsiteX11" y="connsiteY11"/>
+              </a:cxn>
+              <a:cxn ang="0">
+                <a:pos x="connsiteX12" y="connsiteY12"/>
+              </a:cxn>
+              <a:cxn ang="0">
+                <a:pos x="connsiteX13" y="connsiteY13"/>
+              </a:cxn>
+              <a:cxn ang="0">
+                <a:pos x="connsiteX14" y="connsiteY14"/>
+              </a:cxn>
+              <a:cxn ang="0">
+                <a:pos x="connsiteX15" y="connsiteY15"/>
+              </a:cxn>
+              <a:cxn ang="0">
+                <a:pos x="connsiteX16" y="connsiteY16"/>
+              </a:cxn>
+              <a:cxn ang="0">
+                <a:pos x="connsiteX17" y="connsiteY17"/>
+              </a:cxn>
+              <a:cxn ang="0">
+                <a:pos x="connsiteX18" y="connsiteY18"/>
+              </a:cxn>
+              <a:cxn ang="0">
+                <a:pos x="connsiteX19" y="connsiteY19"/>
+              </a:cxn>
+              <a:cxn ang="0">
+                <a:pos x="connsiteX20" y="connsiteY20"/>
+              </a:cxn>
+              <a:cxn ang="0">
+                <a:pos x="connsiteX21" y="connsiteY21"/>
+              </a:cxn>
+              <a:cxn ang="0">
+                <a:pos x="connsiteX22" y="connsiteY22"/>
+              </a:cxn>
+              <a:cxn ang="0">
+                <a:pos x="connsiteX23" y="connsiteY23"/>
+              </a:cxn>
+            </a:cxnLst>
+            <a:rect l="l" t="t" r="r" b="b"/>
+            <a:pathLst>
+              <a:path w="1367790" h="948729">
+                <a:moveTo>
+                  <a:pt x="351934" y="769620"/>
+                </a:moveTo>
+                <a:lnTo>
+                  <a:pt x="1367790" y="769620"/>
+                </a:lnTo>
+                <a:lnTo>
+                  <a:pt x="1367790" y="948729"/>
+                </a:lnTo>
+                <a:lnTo>
+                  <a:pt x="351934" y="948729"/>
+                </a:lnTo>
+                <a:close/>
+                <a:moveTo>
+                  <a:pt x="0" y="769619"/>
+                </a:moveTo>
+                <a:lnTo>
+                  <a:pt x="180000" y="769619"/>
+                </a:lnTo>
+                <a:lnTo>
+                  <a:pt x="180000" y="948728"/>
+                </a:lnTo>
+                <a:lnTo>
+                  <a:pt x="0" y="948728"/>
+                </a:lnTo>
+                <a:close/>
+                <a:moveTo>
+                  <a:pt x="351934" y="384809"/>
+                </a:moveTo>
+                <a:lnTo>
+                  <a:pt x="1367790" y="384809"/>
+                </a:lnTo>
+                <a:lnTo>
+                  <a:pt x="1367790" y="563918"/>
+                </a:lnTo>
+                <a:lnTo>
+                  <a:pt x="351934" y="563918"/>
+                </a:lnTo>
+                <a:close/>
+                <a:moveTo>
+                  <a:pt x="0" y="384808"/>
+                </a:moveTo>
+                <a:lnTo>
+                  <a:pt x="180000" y="384808"/>
+                </a:lnTo>
+                <a:lnTo>
+                  <a:pt x="180000" y="563917"/>
+                </a:lnTo>
+                <a:lnTo>
+                  <a:pt x="0" y="563917"/>
+                </a:lnTo>
+                <a:close/>
+                <a:moveTo>
+                  <a:pt x="351934" y="1"/>
+                </a:moveTo>
+                <a:lnTo>
+                  <a:pt x="1367790" y="1"/>
+                </a:lnTo>
+                <a:lnTo>
+                  <a:pt x="1367790" y="179110"/>
+                </a:lnTo>
+                <a:lnTo>
+                  <a:pt x="351934" y="179110"/>
+                </a:lnTo>
+                <a:close/>
+                <a:moveTo>
+                  <a:pt x="0" y="0"/>
+                </a:moveTo>
+                <a:lnTo>
+                  <a:pt x="180000" y="0"/>
+                </a:lnTo>
+                <a:lnTo>
+                  <a:pt x="180000" y="179109"/>
+                </a:lnTo>
+                <a:lnTo>
+                  <a:pt x="0" y="179109"/>
+                </a:lnTo>
+                <a:close/>
+              </a:path>
+            </a:pathLst>
+          </a:custGeom>
+          <a:solidFill>
+            <a:schemeClr val="bg1"/>
+          </a:solidFill>
+          <a:ln>
+            <a:noFill/>
+          </a:ln>
+        </p:spPr>
+        <p:style>
+          <a:lnRef idx="2">
+            <a:schemeClr val="accent1">
+              <a:shade val="50000"/>
+            </a:schemeClr>
+          </a:lnRef>
+          <a:fillRef idx="1">
+            <a:schemeClr val="accent1"/>
+          </a:fillRef>
+          <a:effectRef idx="0">
+            <a:schemeClr val="accent1"/>
+          </a:effectRef>
+          <a:fontRef idx="minor">
+            <a:schemeClr val="lt1"/>
+          </a:fontRef>
+        </p:style>
+        <p:txBody>
+          <a:bodyPr wrap="square" rtlCol="0" anchor="ctr">
+            <a:noAutofit/>
+          </a:bodyPr>
+          <a:lstStyle/>
+          <a:p>
+            <a:pPr algn="ctr"/>
+            <a:endParaRPr lang="zh-CN" altLang="en-US"/>
+          </a:p>
+        </p:txBody>
+      </p:sp>
+      <p:sp>
+        <p:nvSpPr>
+          <p:cNvPr id="3" name="星形: 八角 2">
+            <a:extLst>
+              <a:ext uri="{FF2B5EF4-FFF2-40B4-BE49-F238E27FC236}">
+                <a16:creationId xmlns:a16="http://schemas.microsoft.com/office/drawing/2014/main" id="{60E54DDA-952C-D886-7DDA-5E9EB5221693}"/>
+              </a:ext>
+            </a:extLst>
+          </p:cNvPr>
+          <p:cNvSpPr/>
+          <p:nvPr/>
+        </p:nvSpPr>
+        <p:spPr>
+          <a:xfrm>
+            <a:off x="478530" y="1866507"/>
+            <a:ext cx="1111957" cy="1111957"/>
+          </a:xfrm>
+          <a:prstGeom prst="star8">
+            <a:avLst>
+              <a:gd name="adj" fmla="val 28191"/>
+            </a:avLst>
+          </a:prstGeom>
+          <a:noFill/>
+          <a:ln w="76200">
+            <a:solidFill>
+              <a:schemeClr val="bg1"/>
+            </a:solidFill>
+          </a:ln>
+        </p:spPr>
+        <p:style>
+          <a:lnRef idx="2">
+            <a:schemeClr val="accent1">
+              <a:shade val="50000"/>
+            </a:schemeClr>
+          </a:lnRef>
+          <a:fillRef idx="1">
+            <a:schemeClr val="accent1"/>
+          </a:fillRef>
+          <a:effectRef idx="0">
+            <a:schemeClr val="accent1"/>
+          </a:effectRef>
+          <a:fontRef idx="minor">
+            <a:schemeClr val="lt1"/>
+          </a:fontRef>
+        </p:style>
+        <p:txBody>
+          <a:bodyPr rtlCol="0" anchor="ctr"/>
+          <a:lstStyle/>
+          <a:p>
+            <a:pPr algn="ctr"/>
+            <a:endParaRPr lang="zh-CN" altLang="en-US" dirty="0"/>
+          </a:p>
+        </p:txBody>
+      </p:sp>
     </p:spTree>
     <p:extLst>
       <p:ext uri="{BB962C8B-B14F-4D97-AF65-F5344CB8AC3E}">
@@ -5004,12 +5320,120 @@
           <a:chExt cx="0" cy="0"/>
         </a:xfrm>
       </p:grpSpPr>
+      <p:sp>
+        <p:nvSpPr>
+          <p:cNvPr id="6" name="矩形 5">
+            <a:extLst>
+              <a:ext uri="{FF2B5EF4-FFF2-40B4-BE49-F238E27FC236}">
+                <a16:creationId xmlns:a16="http://schemas.microsoft.com/office/drawing/2014/main" id="{EAE84CE3-99AA-4A33-B055-9AB23581745D}"/>
+              </a:ext>
+            </a:extLst>
+          </p:cNvPr>
+          <p:cNvSpPr/>
+          <p:nvPr/>
+        </p:nvSpPr>
+        <p:spPr>
+          <a:xfrm rot="2700000">
+            <a:off x="5433635" y="2808140"/>
+            <a:ext cx="1875499" cy="1875499"/>
+          </a:xfrm>
+          <a:prstGeom prst="rect">
+            <a:avLst/>
+          </a:prstGeom>
+          <a:solidFill>
+            <a:srgbClr val="FFFFFF">
+              <a:alpha val="20000"/>
+            </a:srgbClr>
+          </a:solidFill>
+          <a:ln w="57150">
+            <a:solidFill>
+              <a:schemeClr val="bg1"/>
+            </a:solidFill>
+          </a:ln>
+        </p:spPr>
+        <p:style>
+          <a:lnRef idx="2">
+            <a:schemeClr val="accent1">
+              <a:shade val="50000"/>
+            </a:schemeClr>
+          </a:lnRef>
+          <a:fillRef idx="1">
+            <a:schemeClr val="accent1"/>
+          </a:fillRef>
+          <a:effectRef idx="0">
+            <a:schemeClr val="accent1"/>
+          </a:effectRef>
+          <a:fontRef idx="minor">
+            <a:schemeClr val="lt1"/>
+          </a:fontRef>
+        </p:style>
+        <p:txBody>
+          <a:bodyPr rtlCol="0" anchor="ctr"/>
+          <a:lstStyle/>
+          <a:p>
+            <a:pPr algn="ctr"/>
+            <a:endParaRPr lang="zh-CN" altLang="en-US"/>
+          </a:p>
+        </p:txBody>
+      </p:sp>
+      <p:sp>
+        <p:nvSpPr>
+          <p:cNvPr id="5" name="椭圆 4">
+            <a:extLst>
+              <a:ext uri="{FF2B5EF4-FFF2-40B4-BE49-F238E27FC236}">
+                <a16:creationId xmlns:a16="http://schemas.microsoft.com/office/drawing/2014/main" id="{B426BFC3-DF6C-F914-A264-64DA3FBDE5D2}"/>
+              </a:ext>
+            </a:extLst>
+          </p:cNvPr>
+          <p:cNvSpPr/>
+          <p:nvPr/>
+        </p:nvSpPr>
+        <p:spPr>
+          <a:xfrm>
+            <a:off x="1115683" y="1759789"/>
+            <a:ext cx="1575759" cy="1575759"/>
+          </a:xfrm>
+          <a:prstGeom prst="ellipse">
+            <a:avLst/>
+          </a:prstGeom>
+          <a:solidFill>
+            <a:schemeClr val="bg1"/>
+          </a:solidFill>
+          <a:ln>
+            <a:noFill/>
+          </a:ln>
+        </p:spPr>
+        <p:style>
+          <a:lnRef idx="2">
+            <a:schemeClr val="accent1">
+              <a:shade val="50000"/>
+            </a:schemeClr>
+          </a:lnRef>
+          <a:fillRef idx="1">
+            <a:schemeClr val="accent1"/>
+          </a:fillRef>
+          <a:effectRef idx="0">
+            <a:schemeClr val="accent1"/>
+          </a:effectRef>
+          <a:fontRef idx="minor">
+            <a:schemeClr val="lt1"/>
+          </a:fontRef>
+        </p:style>
+        <p:txBody>
+          <a:bodyPr rtlCol="0" anchor="ctr"/>
+          <a:lstStyle/>
+          <a:p>
+            <a:pPr algn="ctr"/>
+            <a:endParaRPr lang="zh-CN" altLang="en-US"/>
+          </a:p>
+        </p:txBody>
+      </p:sp>
       <p:grpSp>
         <p:nvGrpSpPr>
-          <p:cNvPr id="3" name="组合 2">
-            <a:extLst>
-              <a:ext uri="{FF2B5EF4-FFF2-40B4-BE49-F238E27FC236}">
-                <a16:creationId xmlns:a16="http://schemas.microsoft.com/office/drawing/2014/main" id="{1E2EBF77-D4AB-4E3F-A885-D10739EC394E}"/>
+          <p:cNvPr id="12" name="组合 11">
+            <a:extLst>
+              <a:ext uri="{FF2B5EF4-FFF2-40B4-BE49-F238E27FC236}">
+                <a16:creationId xmlns:a16="http://schemas.microsoft.com/office/drawing/2014/main" id="{53B79A9E-88F6-D697-17EB-A7CCAD4D6E4B}"/>
               </a:ext>
             </a:extLst>
           </p:cNvPr>
@@ -5018,18 +5442,18 @@
         </p:nvGrpSpPr>
         <p:grpSpPr>
           <a:xfrm>
-            <a:off x="1545996" y="2655651"/>
-            <a:ext cx="1875499" cy="1875499"/>
-            <a:chOff x="1545996" y="2655651"/>
-            <a:chExt cx="1875499" cy="1875499"/>
+            <a:off x="9335995" y="1112383"/>
+            <a:ext cx="672860" cy="896296"/>
+            <a:chOff x="6034954" y="3297741"/>
+            <a:chExt cx="672860" cy="896296"/>
           </a:xfrm>
         </p:grpSpPr>
         <p:sp>
           <p:nvSpPr>
-            <p:cNvPr id="6" name="矩形 5">
+            <p:cNvPr id="2" name="矩形: 剪去单角 1">
               <a:extLst>
                 <a:ext uri="{FF2B5EF4-FFF2-40B4-BE49-F238E27FC236}">
-                  <a16:creationId xmlns:a16="http://schemas.microsoft.com/office/drawing/2014/main" id="{EAE84CE3-99AA-4A33-B055-9AB23581745D}"/>
+                  <a16:creationId xmlns:a16="http://schemas.microsoft.com/office/drawing/2014/main" id="{775398B4-A32E-7064-00E3-579CC018A9D1}"/>
                 </a:ext>
               </a:extLst>
             </p:cNvPr>
@@ -5037,19 +5461,17 @@
             <p:nvPr/>
           </p:nvSpPr>
           <p:spPr>
-            <a:xfrm rot="2700000">
-              <a:off x="1545996" y="2655651"/>
-              <a:ext cx="1875499" cy="1875499"/>
+            <a:xfrm>
+              <a:off x="6034954" y="3297741"/>
+              <a:ext cx="672860" cy="896296"/>
             </a:xfrm>
-            <a:prstGeom prst="rect">
-              <a:avLst/>
+            <a:prstGeom prst="snip1Rect">
+              <a:avLst>
+                <a:gd name="adj" fmla="val 37180"/>
+              </a:avLst>
             </a:prstGeom>
-            <a:solidFill>
-              <a:srgbClr val="FFFFFF">
-                <a:alpha val="20000"/>
-              </a:srgbClr>
-            </a:solidFill>
-            <a:ln w="57150">
+            <a:noFill/>
+            <a:ln w="76200">
               <a:solidFill>
                 <a:schemeClr val="bg1"/>
               </a:solidFill>
@@ -5076,272 +5498,180 @@
             <a:lstStyle/>
             <a:p>
               <a:pPr algn="ctr"/>
-              <a:endParaRPr lang="zh-CN" altLang="en-US"/>
+              <a:endParaRPr lang="zh-CN" altLang="en-US" dirty="0"/>
             </a:p>
           </p:txBody>
         </p:sp>
-        <p:sp>
-          <p:nvSpPr>
-            <p:cNvPr id="17" name="任意多边形: 形状 16">
+        <p:cxnSp>
+          <p:nvCxnSpPr>
+            <p:cNvPr id="7" name="直接连接符 6">
               <a:extLst>
                 <a:ext uri="{FF2B5EF4-FFF2-40B4-BE49-F238E27FC236}">
-                  <a16:creationId xmlns:a16="http://schemas.microsoft.com/office/drawing/2014/main" id="{6491E4E7-5469-41FA-843F-F714164A47B1}"/>
+                  <a16:creationId xmlns:a16="http://schemas.microsoft.com/office/drawing/2014/main" id="{AD607EEF-198B-934C-F256-3E6DC77AA8CF}"/>
                 </a:ext>
               </a:extLst>
             </p:cNvPr>
-            <p:cNvSpPr/>
+            <p:cNvCxnSpPr/>
             <p:nvPr/>
-          </p:nvSpPr>
+          </p:nvCxnSpPr>
           <p:spPr>
             <a:xfrm>
-              <a:off x="2034540" y="3276600"/>
-              <a:ext cx="907177" cy="629238"/>
+              <a:off x="6167438" y="3517106"/>
+              <a:ext cx="295275" cy="0"/>
             </a:xfrm>
-            <a:custGeom>
+            <a:prstGeom prst="line">
               <a:avLst/>
-              <a:gdLst>
-                <a:gd name="connsiteX0" fmla="*/ 351934 w 1367790"/>
-                <a:gd name="connsiteY0" fmla="*/ 769620 h 948729"/>
-                <a:gd name="connsiteX1" fmla="*/ 1367790 w 1367790"/>
-                <a:gd name="connsiteY1" fmla="*/ 769620 h 948729"/>
-                <a:gd name="connsiteX2" fmla="*/ 1367790 w 1367790"/>
-                <a:gd name="connsiteY2" fmla="*/ 948729 h 948729"/>
-                <a:gd name="connsiteX3" fmla="*/ 351934 w 1367790"/>
-                <a:gd name="connsiteY3" fmla="*/ 948729 h 948729"/>
-                <a:gd name="connsiteX4" fmla="*/ 0 w 1367790"/>
-                <a:gd name="connsiteY4" fmla="*/ 769619 h 948729"/>
-                <a:gd name="connsiteX5" fmla="*/ 180000 w 1367790"/>
-                <a:gd name="connsiteY5" fmla="*/ 769619 h 948729"/>
-                <a:gd name="connsiteX6" fmla="*/ 180000 w 1367790"/>
-                <a:gd name="connsiteY6" fmla="*/ 948728 h 948729"/>
-                <a:gd name="connsiteX7" fmla="*/ 0 w 1367790"/>
-                <a:gd name="connsiteY7" fmla="*/ 948728 h 948729"/>
-                <a:gd name="connsiteX8" fmla="*/ 351934 w 1367790"/>
-                <a:gd name="connsiteY8" fmla="*/ 384809 h 948729"/>
-                <a:gd name="connsiteX9" fmla="*/ 1367790 w 1367790"/>
-                <a:gd name="connsiteY9" fmla="*/ 384809 h 948729"/>
-                <a:gd name="connsiteX10" fmla="*/ 1367790 w 1367790"/>
-                <a:gd name="connsiteY10" fmla="*/ 563918 h 948729"/>
-                <a:gd name="connsiteX11" fmla="*/ 351934 w 1367790"/>
-                <a:gd name="connsiteY11" fmla="*/ 563918 h 948729"/>
-                <a:gd name="connsiteX12" fmla="*/ 0 w 1367790"/>
-                <a:gd name="connsiteY12" fmla="*/ 384808 h 948729"/>
-                <a:gd name="connsiteX13" fmla="*/ 180000 w 1367790"/>
-                <a:gd name="connsiteY13" fmla="*/ 384808 h 948729"/>
-                <a:gd name="connsiteX14" fmla="*/ 180000 w 1367790"/>
-                <a:gd name="connsiteY14" fmla="*/ 563917 h 948729"/>
-                <a:gd name="connsiteX15" fmla="*/ 0 w 1367790"/>
-                <a:gd name="connsiteY15" fmla="*/ 563917 h 948729"/>
-                <a:gd name="connsiteX16" fmla="*/ 351934 w 1367790"/>
-                <a:gd name="connsiteY16" fmla="*/ 1 h 948729"/>
-                <a:gd name="connsiteX17" fmla="*/ 1367790 w 1367790"/>
-                <a:gd name="connsiteY17" fmla="*/ 1 h 948729"/>
-                <a:gd name="connsiteX18" fmla="*/ 1367790 w 1367790"/>
-                <a:gd name="connsiteY18" fmla="*/ 179110 h 948729"/>
-                <a:gd name="connsiteX19" fmla="*/ 351934 w 1367790"/>
-                <a:gd name="connsiteY19" fmla="*/ 179110 h 948729"/>
-                <a:gd name="connsiteX20" fmla="*/ 0 w 1367790"/>
-                <a:gd name="connsiteY20" fmla="*/ 0 h 948729"/>
-                <a:gd name="connsiteX21" fmla="*/ 180000 w 1367790"/>
-                <a:gd name="connsiteY21" fmla="*/ 0 h 948729"/>
-                <a:gd name="connsiteX22" fmla="*/ 180000 w 1367790"/>
-                <a:gd name="connsiteY22" fmla="*/ 179109 h 948729"/>
-                <a:gd name="connsiteX23" fmla="*/ 0 w 1367790"/>
-                <a:gd name="connsiteY23" fmla="*/ 179109 h 948729"/>
-              </a:gdLst>
-              <a:ahLst/>
-              <a:cxnLst>
-                <a:cxn ang="0">
-                  <a:pos x="connsiteX0" y="connsiteY0"/>
-                </a:cxn>
-                <a:cxn ang="0">
-                  <a:pos x="connsiteX1" y="connsiteY1"/>
-                </a:cxn>
-                <a:cxn ang="0">
-                  <a:pos x="connsiteX2" y="connsiteY2"/>
-                </a:cxn>
-                <a:cxn ang="0">
-                  <a:pos x="connsiteX3" y="connsiteY3"/>
-                </a:cxn>
-                <a:cxn ang="0">
-                  <a:pos x="connsiteX4" y="connsiteY4"/>
-                </a:cxn>
-                <a:cxn ang="0">
-                  <a:pos x="connsiteX5" y="connsiteY5"/>
-                </a:cxn>
-                <a:cxn ang="0">
-                  <a:pos x="connsiteX6" y="connsiteY6"/>
-                </a:cxn>
-                <a:cxn ang="0">
-                  <a:pos x="connsiteX7" y="connsiteY7"/>
-                </a:cxn>
-                <a:cxn ang="0">
-                  <a:pos x="connsiteX8" y="connsiteY8"/>
-                </a:cxn>
-                <a:cxn ang="0">
-                  <a:pos x="connsiteX9" y="connsiteY9"/>
-                </a:cxn>
-                <a:cxn ang="0">
-                  <a:pos x="connsiteX10" y="connsiteY10"/>
-                </a:cxn>
-                <a:cxn ang="0">
-                  <a:pos x="connsiteX11" y="connsiteY11"/>
-                </a:cxn>
-                <a:cxn ang="0">
-                  <a:pos x="connsiteX12" y="connsiteY12"/>
-                </a:cxn>
-                <a:cxn ang="0">
-                  <a:pos x="connsiteX13" y="connsiteY13"/>
-                </a:cxn>
-                <a:cxn ang="0">
-                  <a:pos x="connsiteX14" y="connsiteY14"/>
-                </a:cxn>
-                <a:cxn ang="0">
-                  <a:pos x="connsiteX15" y="connsiteY15"/>
-                </a:cxn>
-                <a:cxn ang="0">
-                  <a:pos x="connsiteX16" y="connsiteY16"/>
-                </a:cxn>
-                <a:cxn ang="0">
-                  <a:pos x="connsiteX17" y="connsiteY17"/>
-                </a:cxn>
-                <a:cxn ang="0">
-                  <a:pos x="connsiteX18" y="connsiteY18"/>
-                </a:cxn>
-                <a:cxn ang="0">
-                  <a:pos x="connsiteX19" y="connsiteY19"/>
-                </a:cxn>
-                <a:cxn ang="0">
-                  <a:pos x="connsiteX20" y="connsiteY20"/>
-                </a:cxn>
-                <a:cxn ang="0">
-                  <a:pos x="connsiteX21" y="connsiteY21"/>
-                </a:cxn>
-                <a:cxn ang="0">
-                  <a:pos x="connsiteX22" y="connsiteY22"/>
-                </a:cxn>
-                <a:cxn ang="0">
-                  <a:pos x="connsiteX23" y="connsiteY23"/>
-                </a:cxn>
-              </a:cxnLst>
-              <a:rect l="l" t="t" r="r" b="b"/>
-              <a:pathLst>
-                <a:path w="1367790" h="948729">
-                  <a:moveTo>
-                    <a:pt x="351934" y="769620"/>
-                  </a:moveTo>
-                  <a:lnTo>
-                    <a:pt x="1367790" y="769620"/>
-                  </a:lnTo>
-                  <a:lnTo>
-                    <a:pt x="1367790" y="948729"/>
-                  </a:lnTo>
-                  <a:lnTo>
-                    <a:pt x="351934" y="948729"/>
-                  </a:lnTo>
-                  <a:close/>
-                  <a:moveTo>
-                    <a:pt x="0" y="769619"/>
-                  </a:moveTo>
-                  <a:lnTo>
-                    <a:pt x="180000" y="769619"/>
-                  </a:lnTo>
-                  <a:lnTo>
-                    <a:pt x="180000" y="948728"/>
-                  </a:lnTo>
-                  <a:lnTo>
-                    <a:pt x="0" y="948728"/>
-                  </a:lnTo>
-                  <a:close/>
-                  <a:moveTo>
-                    <a:pt x="351934" y="384809"/>
-                  </a:moveTo>
-                  <a:lnTo>
-                    <a:pt x="1367790" y="384809"/>
-                  </a:lnTo>
-                  <a:lnTo>
-                    <a:pt x="1367790" y="563918"/>
-                  </a:lnTo>
-                  <a:lnTo>
-                    <a:pt x="351934" y="563918"/>
-                  </a:lnTo>
-                  <a:close/>
-                  <a:moveTo>
-                    <a:pt x="0" y="384808"/>
-                  </a:moveTo>
-                  <a:lnTo>
-                    <a:pt x="180000" y="384808"/>
-                  </a:lnTo>
-                  <a:lnTo>
-                    <a:pt x="180000" y="563917"/>
-                  </a:lnTo>
-                  <a:lnTo>
-                    <a:pt x="0" y="563917"/>
-                  </a:lnTo>
-                  <a:close/>
-                  <a:moveTo>
-                    <a:pt x="351934" y="1"/>
-                  </a:moveTo>
-                  <a:lnTo>
-                    <a:pt x="1367790" y="1"/>
-                  </a:lnTo>
-                  <a:lnTo>
-                    <a:pt x="1367790" y="179110"/>
-                  </a:lnTo>
-                  <a:lnTo>
-                    <a:pt x="351934" y="179110"/>
-                  </a:lnTo>
-                  <a:close/>
-                  <a:moveTo>
-                    <a:pt x="0" y="0"/>
-                  </a:moveTo>
-                  <a:lnTo>
-                    <a:pt x="180000" y="0"/>
-                  </a:lnTo>
-                  <a:lnTo>
-                    <a:pt x="180000" y="179109"/>
-                  </a:lnTo>
-                  <a:lnTo>
-                    <a:pt x="0" y="179109"/>
-                  </a:lnTo>
-                  <a:close/>
-                </a:path>
-              </a:pathLst>
-            </a:custGeom>
-            <a:solidFill>
-              <a:schemeClr val="bg1"/>
-            </a:solidFill>
-            <a:ln>
-              <a:noFill/>
+            </a:prstGeom>
+            <a:ln w="76200">
+              <a:solidFill>
+                <a:schemeClr val="bg1"/>
+              </a:solidFill>
             </a:ln>
           </p:spPr>
           <p:style>
-            <a:lnRef idx="2">
-              <a:schemeClr val="accent1">
-                <a:shade val="50000"/>
-              </a:schemeClr>
+            <a:lnRef idx="1">
+              <a:schemeClr val="accent1"/>
             </a:lnRef>
-            <a:fillRef idx="1">
+            <a:fillRef idx="0">
               <a:schemeClr val="accent1"/>
             </a:fillRef>
             <a:effectRef idx="0">
               <a:schemeClr val="accent1"/>
             </a:effectRef>
             <a:fontRef idx="minor">
-              <a:schemeClr val="lt1"/>
+              <a:schemeClr val="tx1"/>
             </a:fontRef>
           </p:style>
-          <p:txBody>
-            <a:bodyPr wrap="square" rtlCol="0" anchor="ctr">
-              <a:noAutofit/>
-            </a:bodyPr>
-            <a:lstStyle/>
-            <a:p>
-              <a:pPr algn="ctr"/>
-              <a:endParaRPr lang="zh-CN" altLang="en-US"/>
-            </a:p>
-          </p:txBody>
-        </p:sp>
+        </p:cxnSp>
+        <p:cxnSp>
+          <p:nvCxnSpPr>
+            <p:cNvPr id="8" name="直接连接符 7">
+              <a:extLst>
+                <a:ext uri="{FF2B5EF4-FFF2-40B4-BE49-F238E27FC236}">
+                  <a16:creationId xmlns:a16="http://schemas.microsoft.com/office/drawing/2014/main" id="{D6412A77-2CDD-14DA-4069-3DEFA26C4D85}"/>
+                </a:ext>
+              </a:extLst>
+            </p:cNvPr>
+            <p:cNvCxnSpPr>
+              <a:cxnSpLocks/>
+            </p:cNvCxnSpPr>
+            <p:nvPr/>
+          </p:nvCxnSpPr>
+          <p:spPr>
+            <a:xfrm>
+              <a:off x="6167438" y="3686175"/>
+              <a:ext cx="433387" cy="0"/>
+            </a:xfrm>
+            <a:prstGeom prst="line">
+              <a:avLst/>
+            </a:prstGeom>
+            <a:ln w="76200">
+              <a:solidFill>
+                <a:schemeClr val="bg1"/>
+              </a:solidFill>
+            </a:ln>
+          </p:spPr>
+          <p:style>
+            <a:lnRef idx="1">
+              <a:schemeClr val="accent1"/>
+            </a:lnRef>
+            <a:fillRef idx="0">
+              <a:schemeClr val="accent1"/>
+            </a:fillRef>
+            <a:effectRef idx="0">
+              <a:schemeClr val="accent1"/>
+            </a:effectRef>
+            <a:fontRef idx="minor">
+              <a:schemeClr val="tx1"/>
+            </a:fontRef>
+          </p:style>
+        </p:cxnSp>
+        <p:cxnSp>
+          <p:nvCxnSpPr>
+            <p:cNvPr id="10" name="直接连接符 9">
+              <a:extLst>
+                <a:ext uri="{FF2B5EF4-FFF2-40B4-BE49-F238E27FC236}">
+                  <a16:creationId xmlns:a16="http://schemas.microsoft.com/office/drawing/2014/main" id="{38FB19FB-1B8C-759A-DB8C-CBF055EA6672}"/>
+                </a:ext>
+              </a:extLst>
+            </p:cNvPr>
+            <p:cNvCxnSpPr>
+              <a:cxnSpLocks/>
+            </p:cNvCxnSpPr>
+            <p:nvPr/>
+          </p:nvCxnSpPr>
+          <p:spPr>
+            <a:xfrm>
+              <a:off x="6167438" y="3855244"/>
+              <a:ext cx="433387" cy="0"/>
+            </a:xfrm>
+            <a:prstGeom prst="line">
+              <a:avLst/>
+            </a:prstGeom>
+            <a:ln w="76200">
+              <a:solidFill>
+                <a:schemeClr val="bg1"/>
+              </a:solidFill>
+            </a:ln>
+          </p:spPr>
+          <p:style>
+            <a:lnRef idx="1">
+              <a:schemeClr val="accent1"/>
+            </a:lnRef>
+            <a:fillRef idx="0">
+              <a:schemeClr val="accent1"/>
+            </a:fillRef>
+            <a:effectRef idx="0">
+              <a:schemeClr val="accent1"/>
+            </a:effectRef>
+            <a:fontRef idx="minor">
+              <a:schemeClr val="tx1"/>
+            </a:fontRef>
+          </p:style>
+        </p:cxnSp>
+        <p:cxnSp>
+          <p:nvCxnSpPr>
+            <p:cNvPr id="11" name="直接连接符 10">
+              <a:extLst>
+                <a:ext uri="{FF2B5EF4-FFF2-40B4-BE49-F238E27FC236}">
+                  <a16:creationId xmlns:a16="http://schemas.microsoft.com/office/drawing/2014/main" id="{EEE1CB98-3D87-255A-2F7D-B95DF0BF26BA}"/>
+                </a:ext>
+              </a:extLst>
+            </p:cNvPr>
+            <p:cNvCxnSpPr>
+              <a:cxnSpLocks/>
+            </p:cNvCxnSpPr>
+            <p:nvPr/>
+          </p:nvCxnSpPr>
+          <p:spPr>
+            <a:xfrm>
+              <a:off x="6167438" y="4024313"/>
+              <a:ext cx="433387" cy="0"/>
+            </a:xfrm>
+            <a:prstGeom prst="line">
+              <a:avLst/>
+            </a:prstGeom>
+            <a:ln w="76200">
+              <a:solidFill>
+                <a:schemeClr val="bg1"/>
+              </a:solidFill>
+            </a:ln>
+          </p:spPr>
+          <p:style>
+            <a:lnRef idx="1">
+              <a:schemeClr val="accent1"/>
+            </a:lnRef>
+            <a:fillRef idx="0">
+              <a:schemeClr val="accent1"/>
+            </a:fillRef>
+            <a:effectRef idx="0">
+              <a:schemeClr val="accent1"/>
+            </a:effectRef>
+            <a:fontRef idx="minor">
+              <a:schemeClr val="tx1"/>
+            </a:fontRef>
+          </p:style>
+        </p:cxnSp>
       </p:grpSp>
     </p:spTree>
     <p:extLst>
